--- a/Go_2018.pptx
+++ b/Go_2018.pptx
@@ -108,6 +108,11 @@
       </a:defRPr>
     </a:lvl9pPr>
   </p:defaultTextStyle>
+  <p:extLst>
+    <p:ext uri="{EFAFB233-063F-42B5-8137-9DF3F51BA10A}">
+      <p15:sldGuideLst xmlns:p15="http://schemas.microsoft.com/office/powerpoint/2012/main"/>
+    </p:ext>
+  </p:extLst>
 </p:presentation>
 </file>
 
@@ -4187,6 +4192,18 @@
               <a:rPr lang="de-CH" dirty="0"/>
               <a:t>Typ wird nach der Variable angegeben</a:t>
             </a:r>
+            <a:br>
+              <a:rPr lang="de-CH" dirty="0"/>
+            </a:br>
+            <a:r>
+              <a:rPr lang="de-CH" dirty="0"/>
+              <a:t>Hier Könnte Ihre </a:t>
+            </a:r>
+            <a:r>
+              <a:rPr lang="de-CH"/>
+              <a:t>Werbung stehen.</a:t>
+            </a:r>
+            <a:endParaRPr lang="de-CH" dirty="0"/>
           </a:p>
           <a:p>
             <a:endParaRPr lang="de-CH" dirty="0"/>

--- a/Go_2018.pptx
+++ b/Go_2018.pptx
@@ -442,7 +442,7 @@
           <a:p>
             <a:fld id="{166D5119-557E-47C9-9948-6184B9A19740}" type="datetimeFigureOut">
               <a:rPr lang="de-CH" smtClean="0"/>
-              <a:t>14.12.2018</a:t>
+              <a:t>17.12.2018</a:t>
             </a:fld>
             <a:endParaRPr lang="de-CH"/>
           </a:p>
@@ -642,7 +642,7 @@
           <a:p>
             <a:fld id="{166D5119-557E-47C9-9948-6184B9A19740}" type="datetimeFigureOut">
               <a:rPr lang="de-CH" smtClean="0"/>
-              <a:t>14.12.2018</a:t>
+              <a:t>17.12.2018</a:t>
             </a:fld>
             <a:endParaRPr lang="de-CH"/>
           </a:p>
@@ -852,7 +852,7 @@
           <a:p>
             <a:fld id="{166D5119-557E-47C9-9948-6184B9A19740}" type="datetimeFigureOut">
               <a:rPr lang="de-CH" smtClean="0"/>
-              <a:t>14.12.2018</a:t>
+              <a:t>17.12.2018</a:t>
             </a:fld>
             <a:endParaRPr lang="de-CH"/>
           </a:p>
@@ -1052,7 +1052,7 @@
           <a:p>
             <a:fld id="{166D5119-557E-47C9-9948-6184B9A19740}" type="datetimeFigureOut">
               <a:rPr lang="de-CH" smtClean="0"/>
-              <a:t>14.12.2018</a:t>
+              <a:t>17.12.2018</a:t>
             </a:fld>
             <a:endParaRPr lang="de-CH"/>
           </a:p>
@@ -1328,7 +1328,7 @@
           <a:p>
             <a:fld id="{166D5119-557E-47C9-9948-6184B9A19740}" type="datetimeFigureOut">
               <a:rPr lang="de-CH" smtClean="0"/>
-              <a:t>14.12.2018</a:t>
+              <a:t>17.12.2018</a:t>
             </a:fld>
             <a:endParaRPr lang="de-CH"/>
           </a:p>
@@ -1596,7 +1596,7 @@
           <a:p>
             <a:fld id="{166D5119-557E-47C9-9948-6184B9A19740}" type="datetimeFigureOut">
               <a:rPr lang="de-CH" smtClean="0"/>
-              <a:t>14.12.2018</a:t>
+              <a:t>17.12.2018</a:t>
             </a:fld>
             <a:endParaRPr lang="de-CH"/>
           </a:p>
@@ -2011,7 +2011,7 @@
           <a:p>
             <a:fld id="{166D5119-557E-47C9-9948-6184B9A19740}" type="datetimeFigureOut">
               <a:rPr lang="de-CH" smtClean="0"/>
-              <a:t>14.12.2018</a:t>
+              <a:t>17.12.2018</a:t>
             </a:fld>
             <a:endParaRPr lang="de-CH"/>
           </a:p>
@@ -2153,7 +2153,7 @@
           <a:p>
             <a:fld id="{166D5119-557E-47C9-9948-6184B9A19740}" type="datetimeFigureOut">
               <a:rPr lang="de-CH" smtClean="0"/>
-              <a:t>14.12.2018</a:t>
+              <a:t>17.12.2018</a:t>
             </a:fld>
             <a:endParaRPr lang="de-CH"/>
           </a:p>
@@ -2266,7 +2266,7 @@
           <a:p>
             <a:fld id="{166D5119-557E-47C9-9948-6184B9A19740}" type="datetimeFigureOut">
               <a:rPr lang="de-CH" smtClean="0"/>
-              <a:t>14.12.2018</a:t>
+              <a:t>17.12.2018</a:t>
             </a:fld>
             <a:endParaRPr lang="de-CH"/>
           </a:p>
@@ -2579,7 +2579,7 @@
           <a:p>
             <a:fld id="{166D5119-557E-47C9-9948-6184B9A19740}" type="datetimeFigureOut">
               <a:rPr lang="de-CH" smtClean="0"/>
-              <a:t>14.12.2018</a:t>
+              <a:t>17.12.2018</a:t>
             </a:fld>
             <a:endParaRPr lang="de-CH"/>
           </a:p>
@@ -2868,7 +2868,7 @@
           <a:p>
             <a:fld id="{166D5119-557E-47C9-9948-6184B9A19740}" type="datetimeFigureOut">
               <a:rPr lang="de-CH" smtClean="0"/>
-              <a:t>14.12.2018</a:t>
+              <a:t>17.12.2018</a:t>
             </a:fld>
             <a:endParaRPr lang="de-CH"/>
           </a:p>
@@ -3111,7 +3111,7 @@
           <a:p>
             <a:fld id="{166D5119-557E-47C9-9948-6184B9A19740}" type="datetimeFigureOut">
               <a:rPr lang="de-CH" smtClean="0"/>
-              <a:t>14.12.2018</a:t>
+              <a:t>17.12.2018</a:t>
             </a:fld>
             <a:endParaRPr lang="de-CH"/>
           </a:p>
@@ -4049,12 +4049,8 @@
           <a:lstStyle/>
           <a:p>
             <a:r>
-              <a:rPr lang="de-CH" dirty="0" err="1"/>
-              <a:t>Einheintlicher</a:t>
-            </a:r>
-            <a:r>
               <a:rPr lang="de-CH" dirty="0"/>
-              <a:t> Code (Erzwungen durch Compiler)</a:t>
+              <a:t>Einheitlicher Code (Erzwungen durch Compiler)</a:t>
             </a:r>
           </a:p>
           <a:p>
@@ -4190,22 +4186,31 @@
             <a:pPr lvl="1"/>
             <a:r>
               <a:rPr lang="de-CH" dirty="0"/>
-              <a:t>Typ wird nach der Variable angegeben</a:t>
-            </a:r>
-            <a:br>
+              <a:t>Sehr interessante Konzepte</a:t>
+            </a:r>
+          </a:p>
+          <a:p>
+            <a:pPr lvl="1"/>
+            <a:r>
               <a:rPr lang="de-CH" dirty="0"/>
-            </a:br>
+              <a:t>Entwicklung ist sehr aktiv (Community &amp; Google)</a:t>
+            </a:r>
+          </a:p>
+          <a:p>
+            <a:pPr lvl="1"/>
             <a:r>
               <a:rPr lang="de-CH" dirty="0"/>
-              <a:t>Hier Könnte Ihre </a:t>
-            </a:r>
-            <a:r>
-              <a:rPr lang="de-CH"/>
-              <a:t>Werbung stehen.</a:t>
-            </a:r>
+              <a:t>Doku wird besser aufgrund von Popularität</a:t>
+            </a:r>
+          </a:p>
+          <a:p>
+            <a:pPr marL="457200" lvl="1" indent="0">
+              <a:buNone/>
+            </a:pPr>
             <a:endParaRPr lang="de-CH" dirty="0"/>
           </a:p>
           <a:p>
+            <a:pPr lvl="1"/>
             <a:endParaRPr lang="de-CH" dirty="0"/>
           </a:p>
         </p:txBody>

--- a/Go_2018.pptx
+++ b/Go_2018.pptx
@@ -315,7 +315,7 @@
           <p:cNvPr id="2" name="Titel 1">
             <a:extLst>
               <a:ext uri="{FF2B5EF4-FFF2-40B4-BE49-F238E27FC236}">
-                <a16:creationId xmlns:a16="http://schemas.microsoft.com/office/drawing/2014/main" id="{B96E9608-A687-45E0-9B69-DDEF54125BA6}"/>
+                <a16:creationId xmlns:a16="http://schemas.microsoft.com/office/drawing/2014/main" xmlns="" id="{B96E9608-A687-45E0-9B69-DDEF54125BA6}"/>
               </a:ext>
             </a:extLst>
           </p:cNvPr>
@@ -353,7 +353,7 @@
           <p:cNvPr id="3" name="Untertitel 2">
             <a:extLst>
               <a:ext uri="{FF2B5EF4-FFF2-40B4-BE49-F238E27FC236}">
-                <a16:creationId xmlns:a16="http://schemas.microsoft.com/office/drawing/2014/main" id="{D23FF9DB-5DDD-47F5-B7E3-1CBDDEE4F33A}"/>
+                <a16:creationId xmlns:a16="http://schemas.microsoft.com/office/drawing/2014/main" xmlns="" id="{D23FF9DB-5DDD-47F5-B7E3-1CBDDEE4F33A}"/>
               </a:ext>
             </a:extLst>
           </p:cNvPr>
@@ -424,7 +424,7 @@
           <p:cNvPr id="4" name="Datumsplatzhalter 3">
             <a:extLst>
               <a:ext uri="{FF2B5EF4-FFF2-40B4-BE49-F238E27FC236}">
-                <a16:creationId xmlns:a16="http://schemas.microsoft.com/office/drawing/2014/main" id="{332628F5-F31B-4383-8C33-DEABE231C1E5}"/>
+                <a16:creationId xmlns:a16="http://schemas.microsoft.com/office/drawing/2014/main" xmlns="" id="{332628F5-F31B-4383-8C33-DEABE231C1E5}"/>
               </a:ext>
             </a:extLst>
           </p:cNvPr>
@@ -453,7 +453,7 @@
           <p:cNvPr id="5" name="Fußzeilenplatzhalter 4">
             <a:extLst>
               <a:ext uri="{FF2B5EF4-FFF2-40B4-BE49-F238E27FC236}">
-                <a16:creationId xmlns:a16="http://schemas.microsoft.com/office/drawing/2014/main" id="{CF23EE5B-EEF3-44CA-AB20-D1CF0C299AB7}"/>
+                <a16:creationId xmlns:a16="http://schemas.microsoft.com/office/drawing/2014/main" xmlns="" id="{CF23EE5B-EEF3-44CA-AB20-D1CF0C299AB7}"/>
               </a:ext>
             </a:extLst>
           </p:cNvPr>
@@ -478,7 +478,7 @@
           <p:cNvPr id="6" name="Foliennummernplatzhalter 5">
             <a:extLst>
               <a:ext uri="{FF2B5EF4-FFF2-40B4-BE49-F238E27FC236}">
-                <a16:creationId xmlns:a16="http://schemas.microsoft.com/office/drawing/2014/main" id="{220F3B7A-DEC7-4779-AD3F-CEE5F021E9FB}"/>
+                <a16:creationId xmlns:a16="http://schemas.microsoft.com/office/drawing/2014/main" xmlns="" id="{220F3B7A-DEC7-4779-AD3F-CEE5F021E9FB}"/>
               </a:ext>
             </a:extLst>
           </p:cNvPr>
@@ -537,7 +537,7 @@
           <p:cNvPr id="2" name="Titel 1">
             <a:extLst>
               <a:ext uri="{FF2B5EF4-FFF2-40B4-BE49-F238E27FC236}">
-                <a16:creationId xmlns:a16="http://schemas.microsoft.com/office/drawing/2014/main" id="{02CDEFC5-CED1-432C-94F7-2D5C640F47D5}"/>
+                <a16:creationId xmlns:a16="http://schemas.microsoft.com/office/drawing/2014/main" xmlns="" id="{02CDEFC5-CED1-432C-94F7-2D5C640F47D5}"/>
               </a:ext>
             </a:extLst>
           </p:cNvPr>
@@ -566,7 +566,7 @@
           <p:cNvPr id="3" name="Vertikaler Textplatzhalter 2">
             <a:extLst>
               <a:ext uri="{FF2B5EF4-FFF2-40B4-BE49-F238E27FC236}">
-                <a16:creationId xmlns:a16="http://schemas.microsoft.com/office/drawing/2014/main" id="{71544B91-E3E6-4965-88BE-215D26C4E077}"/>
+                <a16:creationId xmlns:a16="http://schemas.microsoft.com/office/drawing/2014/main" xmlns="" id="{71544B91-E3E6-4965-88BE-215D26C4E077}"/>
               </a:ext>
             </a:extLst>
           </p:cNvPr>
@@ -624,7 +624,7 @@
           <p:cNvPr id="4" name="Datumsplatzhalter 3">
             <a:extLst>
               <a:ext uri="{FF2B5EF4-FFF2-40B4-BE49-F238E27FC236}">
-                <a16:creationId xmlns:a16="http://schemas.microsoft.com/office/drawing/2014/main" id="{4609595C-BD0C-4359-A73F-B9B872122FE1}"/>
+                <a16:creationId xmlns:a16="http://schemas.microsoft.com/office/drawing/2014/main" xmlns="" id="{4609595C-BD0C-4359-A73F-B9B872122FE1}"/>
               </a:ext>
             </a:extLst>
           </p:cNvPr>
@@ -653,7 +653,7 @@
           <p:cNvPr id="5" name="Fußzeilenplatzhalter 4">
             <a:extLst>
               <a:ext uri="{FF2B5EF4-FFF2-40B4-BE49-F238E27FC236}">
-                <a16:creationId xmlns:a16="http://schemas.microsoft.com/office/drawing/2014/main" id="{82D7BC16-9055-4AF7-9130-E6EF792DA5D9}"/>
+                <a16:creationId xmlns:a16="http://schemas.microsoft.com/office/drawing/2014/main" xmlns="" id="{82D7BC16-9055-4AF7-9130-E6EF792DA5D9}"/>
               </a:ext>
             </a:extLst>
           </p:cNvPr>
@@ -678,7 +678,7 @@
           <p:cNvPr id="6" name="Foliennummernplatzhalter 5">
             <a:extLst>
               <a:ext uri="{FF2B5EF4-FFF2-40B4-BE49-F238E27FC236}">
-                <a16:creationId xmlns:a16="http://schemas.microsoft.com/office/drawing/2014/main" id="{02814A1C-CB44-497A-9CC8-863FC0E1593D}"/>
+                <a16:creationId xmlns:a16="http://schemas.microsoft.com/office/drawing/2014/main" xmlns="" id="{02814A1C-CB44-497A-9CC8-863FC0E1593D}"/>
               </a:ext>
             </a:extLst>
           </p:cNvPr>
@@ -737,7 +737,7 @@
           <p:cNvPr id="2" name="Vertikaler Titel 1">
             <a:extLst>
               <a:ext uri="{FF2B5EF4-FFF2-40B4-BE49-F238E27FC236}">
-                <a16:creationId xmlns:a16="http://schemas.microsoft.com/office/drawing/2014/main" id="{C071D54F-2022-4931-B1D9-667846FEB0AD}"/>
+                <a16:creationId xmlns:a16="http://schemas.microsoft.com/office/drawing/2014/main" xmlns="" id="{C071D54F-2022-4931-B1D9-667846FEB0AD}"/>
               </a:ext>
             </a:extLst>
           </p:cNvPr>
@@ -771,7 +771,7 @@
           <p:cNvPr id="3" name="Vertikaler Textplatzhalter 2">
             <a:extLst>
               <a:ext uri="{FF2B5EF4-FFF2-40B4-BE49-F238E27FC236}">
-                <a16:creationId xmlns:a16="http://schemas.microsoft.com/office/drawing/2014/main" id="{AD0AD71D-3689-4213-90A8-FA739AA6A4B1}"/>
+                <a16:creationId xmlns:a16="http://schemas.microsoft.com/office/drawing/2014/main" xmlns="" id="{AD0AD71D-3689-4213-90A8-FA739AA6A4B1}"/>
               </a:ext>
             </a:extLst>
           </p:cNvPr>
@@ -834,7 +834,7 @@
           <p:cNvPr id="4" name="Datumsplatzhalter 3">
             <a:extLst>
               <a:ext uri="{FF2B5EF4-FFF2-40B4-BE49-F238E27FC236}">
-                <a16:creationId xmlns:a16="http://schemas.microsoft.com/office/drawing/2014/main" id="{1C76DDFD-E3B2-4B7E-A7D2-45B2872DEA3F}"/>
+                <a16:creationId xmlns:a16="http://schemas.microsoft.com/office/drawing/2014/main" xmlns="" id="{1C76DDFD-E3B2-4B7E-A7D2-45B2872DEA3F}"/>
               </a:ext>
             </a:extLst>
           </p:cNvPr>
@@ -863,7 +863,7 @@
           <p:cNvPr id="5" name="Fußzeilenplatzhalter 4">
             <a:extLst>
               <a:ext uri="{FF2B5EF4-FFF2-40B4-BE49-F238E27FC236}">
-                <a16:creationId xmlns:a16="http://schemas.microsoft.com/office/drawing/2014/main" id="{E3444912-A71C-4013-B5C1-BF545988DB3F}"/>
+                <a16:creationId xmlns:a16="http://schemas.microsoft.com/office/drawing/2014/main" xmlns="" id="{E3444912-A71C-4013-B5C1-BF545988DB3F}"/>
               </a:ext>
             </a:extLst>
           </p:cNvPr>
@@ -888,7 +888,7 @@
           <p:cNvPr id="6" name="Foliennummernplatzhalter 5">
             <a:extLst>
               <a:ext uri="{FF2B5EF4-FFF2-40B4-BE49-F238E27FC236}">
-                <a16:creationId xmlns:a16="http://schemas.microsoft.com/office/drawing/2014/main" id="{11B17EF4-2EE1-4FA4-B343-3E86C2B0563D}"/>
+                <a16:creationId xmlns:a16="http://schemas.microsoft.com/office/drawing/2014/main" xmlns="" id="{11B17EF4-2EE1-4FA4-B343-3E86C2B0563D}"/>
               </a:ext>
             </a:extLst>
           </p:cNvPr>
@@ -947,7 +947,7 @@
           <p:cNvPr id="2" name="Titel 1">
             <a:extLst>
               <a:ext uri="{FF2B5EF4-FFF2-40B4-BE49-F238E27FC236}">
-                <a16:creationId xmlns:a16="http://schemas.microsoft.com/office/drawing/2014/main" id="{A5B73016-4A51-45D5-B65C-91C937BA651F}"/>
+                <a16:creationId xmlns:a16="http://schemas.microsoft.com/office/drawing/2014/main" xmlns="" id="{A5B73016-4A51-45D5-B65C-91C937BA651F}"/>
               </a:ext>
             </a:extLst>
           </p:cNvPr>
@@ -976,7 +976,7 @@
           <p:cNvPr id="3" name="Inhaltsplatzhalter 2">
             <a:extLst>
               <a:ext uri="{FF2B5EF4-FFF2-40B4-BE49-F238E27FC236}">
-                <a16:creationId xmlns:a16="http://schemas.microsoft.com/office/drawing/2014/main" id="{CD672BA4-1C63-48AB-8E8D-89C309891BEC}"/>
+                <a16:creationId xmlns:a16="http://schemas.microsoft.com/office/drawing/2014/main" xmlns="" id="{CD672BA4-1C63-48AB-8E8D-89C309891BEC}"/>
               </a:ext>
             </a:extLst>
           </p:cNvPr>
@@ -1034,7 +1034,7 @@
           <p:cNvPr id="4" name="Datumsplatzhalter 3">
             <a:extLst>
               <a:ext uri="{FF2B5EF4-FFF2-40B4-BE49-F238E27FC236}">
-                <a16:creationId xmlns:a16="http://schemas.microsoft.com/office/drawing/2014/main" id="{77239907-050F-4956-828C-300EE1EBF9E0}"/>
+                <a16:creationId xmlns:a16="http://schemas.microsoft.com/office/drawing/2014/main" xmlns="" id="{77239907-050F-4956-828C-300EE1EBF9E0}"/>
               </a:ext>
             </a:extLst>
           </p:cNvPr>
@@ -1063,7 +1063,7 @@
           <p:cNvPr id="5" name="Fußzeilenplatzhalter 4">
             <a:extLst>
               <a:ext uri="{FF2B5EF4-FFF2-40B4-BE49-F238E27FC236}">
-                <a16:creationId xmlns:a16="http://schemas.microsoft.com/office/drawing/2014/main" id="{CDE69BBD-D08C-4158-8F59-F8B6E51BA5D9}"/>
+                <a16:creationId xmlns:a16="http://schemas.microsoft.com/office/drawing/2014/main" xmlns="" id="{CDE69BBD-D08C-4158-8F59-F8B6E51BA5D9}"/>
               </a:ext>
             </a:extLst>
           </p:cNvPr>
@@ -1088,7 +1088,7 @@
           <p:cNvPr id="6" name="Foliennummernplatzhalter 5">
             <a:extLst>
               <a:ext uri="{FF2B5EF4-FFF2-40B4-BE49-F238E27FC236}">
-                <a16:creationId xmlns:a16="http://schemas.microsoft.com/office/drawing/2014/main" id="{4C3BD813-AEFA-46E7-8DD4-87BE7912D3EA}"/>
+                <a16:creationId xmlns:a16="http://schemas.microsoft.com/office/drawing/2014/main" xmlns="" id="{4C3BD813-AEFA-46E7-8DD4-87BE7912D3EA}"/>
               </a:ext>
             </a:extLst>
           </p:cNvPr>
@@ -1147,7 +1147,7 @@
           <p:cNvPr id="2" name="Titel 1">
             <a:extLst>
               <a:ext uri="{FF2B5EF4-FFF2-40B4-BE49-F238E27FC236}">
-                <a16:creationId xmlns:a16="http://schemas.microsoft.com/office/drawing/2014/main" id="{C2561214-CE38-4D52-A3C3-2C63381F74F6}"/>
+                <a16:creationId xmlns:a16="http://schemas.microsoft.com/office/drawing/2014/main" xmlns="" id="{C2561214-CE38-4D52-A3C3-2C63381F74F6}"/>
               </a:ext>
             </a:extLst>
           </p:cNvPr>
@@ -1185,7 +1185,7 @@
           <p:cNvPr id="3" name="Textplatzhalter 2">
             <a:extLst>
               <a:ext uri="{FF2B5EF4-FFF2-40B4-BE49-F238E27FC236}">
-                <a16:creationId xmlns:a16="http://schemas.microsoft.com/office/drawing/2014/main" id="{E53BEA3F-B58B-4533-838A-19FE89D08C3B}"/>
+                <a16:creationId xmlns:a16="http://schemas.microsoft.com/office/drawing/2014/main" xmlns="" id="{E53BEA3F-B58B-4533-838A-19FE89D08C3B}"/>
               </a:ext>
             </a:extLst>
           </p:cNvPr>
@@ -1310,7 +1310,7 @@
           <p:cNvPr id="4" name="Datumsplatzhalter 3">
             <a:extLst>
               <a:ext uri="{FF2B5EF4-FFF2-40B4-BE49-F238E27FC236}">
-                <a16:creationId xmlns:a16="http://schemas.microsoft.com/office/drawing/2014/main" id="{D86FB71E-7DE1-4325-B1CA-6C7C7D4191EF}"/>
+                <a16:creationId xmlns:a16="http://schemas.microsoft.com/office/drawing/2014/main" xmlns="" id="{D86FB71E-7DE1-4325-B1CA-6C7C7D4191EF}"/>
               </a:ext>
             </a:extLst>
           </p:cNvPr>
@@ -1339,7 +1339,7 @@
           <p:cNvPr id="5" name="Fußzeilenplatzhalter 4">
             <a:extLst>
               <a:ext uri="{FF2B5EF4-FFF2-40B4-BE49-F238E27FC236}">
-                <a16:creationId xmlns:a16="http://schemas.microsoft.com/office/drawing/2014/main" id="{3D56CD9D-1323-4A55-ADF0-DBE170A26277}"/>
+                <a16:creationId xmlns:a16="http://schemas.microsoft.com/office/drawing/2014/main" xmlns="" id="{3D56CD9D-1323-4A55-ADF0-DBE170A26277}"/>
               </a:ext>
             </a:extLst>
           </p:cNvPr>
@@ -1364,7 +1364,7 @@
           <p:cNvPr id="6" name="Foliennummernplatzhalter 5">
             <a:extLst>
               <a:ext uri="{FF2B5EF4-FFF2-40B4-BE49-F238E27FC236}">
-                <a16:creationId xmlns:a16="http://schemas.microsoft.com/office/drawing/2014/main" id="{D7B50E0C-29AC-4BFB-9252-18EDCCDD7933}"/>
+                <a16:creationId xmlns:a16="http://schemas.microsoft.com/office/drawing/2014/main" xmlns="" id="{D7B50E0C-29AC-4BFB-9252-18EDCCDD7933}"/>
               </a:ext>
             </a:extLst>
           </p:cNvPr>
@@ -1423,7 +1423,7 @@
           <p:cNvPr id="2" name="Titel 1">
             <a:extLst>
               <a:ext uri="{FF2B5EF4-FFF2-40B4-BE49-F238E27FC236}">
-                <a16:creationId xmlns:a16="http://schemas.microsoft.com/office/drawing/2014/main" id="{AA9EA7B9-18B9-4BA5-BF85-67FDCC0F03B9}"/>
+                <a16:creationId xmlns:a16="http://schemas.microsoft.com/office/drawing/2014/main" xmlns="" id="{AA9EA7B9-18B9-4BA5-BF85-67FDCC0F03B9}"/>
               </a:ext>
             </a:extLst>
           </p:cNvPr>
@@ -1452,7 +1452,7 @@
           <p:cNvPr id="3" name="Inhaltsplatzhalter 2">
             <a:extLst>
               <a:ext uri="{FF2B5EF4-FFF2-40B4-BE49-F238E27FC236}">
-                <a16:creationId xmlns:a16="http://schemas.microsoft.com/office/drawing/2014/main" id="{80543C2E-3720-49E2-A8CC-0E2FA72A92B1}"/>
+                <a16:creationId xmlns:a16="http://schemas.microsoft.com/office/drawing/2014/main" xmlns="" id="{80543C2E-3720-49E2-A8CC-0E2FA72A92B1}"/>
               </a:ext>
             </a:extLst>
           </p:cNvPr>
@@ -1515,7 +1515,7 @@
           <p:cNvPr id="4" name="Inhaltsplatzhalter 3">
             <a:extLst>
               <a:ext uri="{FF2B5EF4-FFF2-40B4-BE49-F238E27FC236}">
-                <a16:creationId xmlns:a16="http://schemas.microsoft.com/office/drawing/2014/main" id="{C15206CB-9664-436C-8D1C-ECB58115E130}"/>
+                <a16:creationId xmlns:a16="http://schemas.microsoft.com/office/drawing/2014/main" xmlns="" id="{C15206CB-9664-436C-8D1C-ECB58115E130}"/>
               </a:ext>
             </a:extLst>
           </p:cNvPr>
@@ -1578,7 +1578,7 @@
           <p:cNvPr id="5" name="Datumsplatzhalter 4">
             <a:extLst>
               <a:ext uri="{FF2B5EF4-FFF2-40B4-BE49-F238E27FC236}">
-                <a16:creationId xmlns:a16="http://schemas.microsoft.com/office/drawing/2014/main" id="{6A9E2087-62C0-408C-930A-74C28568A672}"/>
+                <a16:creationId xmlns:a16="http://schemas.microsoft.com/office/drawing/2014/main" xmlns="" id="{6A9E2087-62C0-408C-930A-74C28568A672}"/>
               </a:ext>
             </a:extLst>
           </p:cNvPr>
@@ -1607,7 +1607,7 @@
           <p:cNvPr id="6" name="Fußzeilenplatzhalter 5">
             <a:extLst>
               <a:ext uri="{FF2B5EF4-FFF2-40B4-BE49-F238E27FC236}">
-                <a16:creationId xmlns:a16="http://schemas.microsoft.com/office/drawing/2014/main" id="{87C71980-2614-40C8-9875-3292AAF42530}"/>
+                <a16:creationId xmlns:a16="http://schemas.microsoft.com/office/drawing/2014/main" xmlns="" id="{87C71980-2614-40C8-9875-3292AAF42530}"/>
               </a:ext>
             </a:extLst>
           </p:cNvPr>
@@ -1632,7 +1632,7 @@
           <p:cNvPr id="7" name="Foliennummernplatzhalter 6">
             <a:extLst>
               <a:ext uri="{FF2B5EF4-FFF2-40B4-BE49-F238E27FC236}">
-                <a16:creationId xmlns:a16="http://schemas.microsoft.com/office/drawing/2014/main" id="{F7B86B2B-90D8-4FFE-B4A7-CCD4931A8F1A}"/>
+                <a16:creationId xmlns:a16="http://schemas.microsoft.com/office/drawing/2014/main" xmlns="" id="{F7B86B2B-90D8-4FFE-B4A7-CCD4931A8F1A}"/>
               </a:ext>
             </a:extLst>
           </p:cNvPr>
@@ -1691,7 +1691,7 @@
           <p:cNvPr id="2" name="Titel 1">
             <a:extLst>
               <a:ext uri="{FF2B5EF4-FFF2-40B4-BE49-F238E27FC236}">
-                <a16:creationId xmlns:a16="http://schemas.microsoft.com/office/drawing/2014/main" id="{FB1DFCD8-B181-4FB2-9574-B767425A04CF}"/>
+                <a16:creationId xmlns:a16="http://schemas.microsoft.com/office/drawing/2014/main" xmlns="" id="{FB1DFCD8-B181-4FB2-9574-B767425A04CF}"/>
               </a:ext>
             </a:extLst>
           </p:cNvPr>
@@ -1725,7 +1725,7 @@
           <p:cNvPr id="3" name="Textplatzhalter 2">
             <a:extLst>
               <a:ext uri="{FF2B5EF4-FFF2-40B4-BE49-F238E27FC236}">
-                <a16:creationId xmlns:a16="http://schemas.microsoft.com/office/drawing/2014/main" id="{F0B556E4-9D08-4DF0-9F58-8A4B4D7DC84A}"/>
+                <a16:creationId xmlns:a16="http://schemas.microsoft.com/office/drawing/2014/main" xmlns="" id="{F0B556E4-9D08-4DF0-9F58-8A4B4D7DC84A}"/>
               </a:ext>
             </a:extLst>
           </p:cNvPr>
@@ -1796,7 +1796,7 @@
           <p:cNvPr id="4" name="Inhaltsplatzhalter 3">
             <a:extLst>
               <a:ext uri="{FF2B5EF4-FFF2-40B4-BE49-F238E27FC236}">
-                <a16:creationId xmlns:a16="http://schemas.microsoft.com/office/drawing/2014/main" id="{C96257FE-687A-4844-A383-55375BEFBAF4}"/>
+                <a16:creationId xmlns:a16="http://schemas.microsoft.com/office/drawing/2014/main" xmlns="" id="{C96257FE-687A-4844-A383-55375BEFBAF4}"/>
               </a:ext>
             </a:extLst>
           </p:cNvPr>
@@ -1859,7 +1859,7 @@
           <p:cNvPr id="5" name="Textplatzhalter 4">
             <a:extLst>
               <a:ext uri="{FF2B5EF4-FFF2-40B4-BE49-F238E27FC236}">
-                <a16:creationId xmlns:a16="http://schemas.microsoft.com/office/drawing/2014/main" id="{7EA23111-1A93-4FC9-B1B9-369EE83E23DD}"/>
+                <a16:creationId xmlns:a16="http://schemas.microsoft.com/office/drawing/2014/main" xmlns="" id="{7EA23111-1A93-4FC9-B1B9-369EE83E23DD}"/>
               </a:ext>
             </a:extLst>
           </p:cNvPr>
@@ -1930,7 +1930,7 @@
           <p:cNvPr id="6" name="Inhaltsplatzhalter 5">
             <a:extLst>
               <a:ext uri="{FF2B5EF4-FFF2-40B4-BE49-F238E27FC236}">
-                <a16:creationId xmlns:a16="http://schemas.microsoft.com/office/drawing/2014/main" id="{1F11E29C-5584-4ACB-98B1-3495FAB62CF8}"/>
+                <a16:creationId xmlns:a16="http://schemas.microsoft.com/office/drawing/2014/main" xmlns="" id="{1F11E29C-5584-4ACB-98B1-3495FAB62CF8}"/>
               </a:ext>
             </a:extLst>
           </p:cNvPr>
@@ -1993,7 +1993,7 @@
           <p:cNvPr id="7" name="Datumsplatzhalter 6">
             <a:extLst>
               <a:ext uri="{FF2B5EF4-FFF2-40B4-BE49-F238E27FC236}">
-                <a16:creationId xmlns:a16="http://schemas.microsoft.com/office/drawing/2014/main" id="{632979AD-3236-4CB9-A4ED-35D8091C934D}"/>
+                <a16:creationId xmlns:a16="http://schemas.microsoft.com/office/drawing/2014/main" xmlns="" id="{632979AD-3236-4CB9-A4ED-35D8091C934D}"/>
               </a:ext>
             </a:extLst>
           </p:cNvPr>
@@ -2022,7 +2022,7 @@
           <p:cNvPr id="8" name="Fußzeilenplatzhalter 7">
             <a:extLst>
               <a:ext uri="{FF2B5EF4-FFF2-40B4-BE49-F238E27FC236}">
-                <a16:creationId xmlns:a16="http://schemas.microsoft.com/office/drawing/2014/main" id="{F50BCB2B-695C-42EB-B01B-4D50CE01C963}"/>
+                <a16:creationId xmlns:a16="http://schemas.microsoft.com/office/drawing/2014/main" xmlns="" id="{F50BCB2B-695C-42EB-B01B-4D50CE01C963}"/>
               </a:ext>
             </a:extLst>
           </p:cNvPr>
@@ -2047,7 +2047,7 @@
           <p:cNvPr id="9" name="Foliennummernplatzhalter 8">
             <a:extLst>
               <a:ext uri="{FF2B5EF4-FFF2-40B4-BE49-F238E27FC236}">
-                <a16:creationId xmlns:a16="http://schemas.microsoft.com/office/drawing/2014/main" id="{60CD150D-FEFF-48DF-BD77-2A8E584808C3}"/>
+                <a16:creationId xmlns:a16="http://schemas.microsoft.com/office/drawing/2014/main" xmlns="" id="{60CD150D-FEFF-48DF-BD77-2A8E584808C3}"/>
               </a:ext>
             </a:extLst>
           </p:cNvPr>
@@ -2106,7 +2106,7 @@
           <p:cNvPr id="2" name="Titel 1">
             <a:extLst>
               <a:ext uri="{FF2B5EF4-FFF2-40B4-BE49-F238E27FC236}">
-                <a16:creationId xmlns:a16="http://schemas.microsoft.com/office/drawing/2014/main" id="{D597DCDB-237E-434F-9322-0D124E185BA8}"/>
+                <a16:creationId xmlns:a16="http://schemas.microsoft.com/office/drawing/2014/main" xmlns="" id="{D597DCDB-237E-434F-9322-0D124E185BA8}"/>
               </a:ext>
             </a:extLst>
           </p:cNvPr>
@@ -2135,7 +2135,7 @@
           <p:cNvPr id="3" name="Datumsplatzhalter 2">
             <a:extLst>
               <a:ext uri="{FF2B5EF4-FFF2-40B4-BE49-F238E27FC236}">
-                <a16:creationId xmlns:a16="http://schemas.microsoft.com/office/drawing/2014/main" id="{5876E57D-C268-4228-A4E1-3C46AD162CE4}"/>
+                <a16:creationId xmlns:a16="http://schemas.microsoft.com/office/drawing/2014/main" xmlns="" id="{5876E57D-C268-4228-A4E1-3C46AD162CE4}"/>
               </a:ext>
             </a:extLst>
           </p:cNvPr>
@@ -2164,7 +2164,7 @@
           <p:cNvPr id="4" name="Fußzeilenplatzhalter 3">
             <a:extLst>
               <a:ext uri="{FF2B5EF4-FFF2-40B4-BE49-F238E27FC236}">
-                <a16:creationId xmlns:a16="http://schemas.microsoft.com/office/drawing/2014/main" id="{0CC77D8A-9AAE-4B5D-98B5-045291C29E89}"/>
+                <a16:creationId xmlns:a16="http://schemas.microsoft.com/office/drawing/2014/main" xmlns="" id="{0CC77D8A-9AAE-4B5D-98B5-045291C29E89}"/>
               </a:ext>
             </a:extLst>
           </p:cNvPr>
@@ -2189,7 +2189,7 @@
           <p:cNvPr id="5" name="Foliennummernplatzhalter 4">
             <a:extLst>
               <a:ext uri="{FF2B5EF4-FFF2-40B4-BE49-F238E27FC236}">
-                <a16:creationId xmlns:a16="http://schemas.microsoft.com/office/drawing/2014/main" id="{87BC7BB2-AE2F-4A30-A096-BF580F8B8600}"/>
+                <a16:creationId xmlns:a16="http://schemas.microsoft.com/office/drawing/2014/main" xmlns="" id="{87BC7BB2-AE2F-4A30-A096-BF580F8B8600}"/>
               </a:ext>
             </a:extLst>
           </p:cNvPr>
@@ -2248,7 +2248,7 @@
           <p:cNvPr id="2" name="Datumsplatzhalter 1">
             <a:extLst>
               <a:ext uri="{FF2B5EF4-FFF2-40B4-BE49-F238E27FC236}">
-                <a16:creationId xmlns:a16="http://schemas.microsoft.com/office/drawing/2014/main" id="{178E65E1-97DF-4630-8716-F7CD6FD1723C}"/>
+                <a16:creationId xmlns:a16="http://schemas.microsoft.com/office/drawing/2014/main" xmlns="" id="{178E65E1-97DF-4630-8716-F7CD6FD1723C}"/>
               </a:ext>
             </a:extLst>
           </p:cNvPr>
@@ -2277,7 +2277,7 @@
           <p:cNvPr id="3" name="Fußzeilenplatzhalter 2">
             <a:extLst>
               <a:ext uri="{FF2B5EF4-FFF2-40B4-BE49-F238E27FC236}">
-                <a16:creationId xmlns:a16="http://schemas.microsoft.com/office/drawing/2014/main" id="{2B304B6B-81EA-4B0C-9656-CAB574C16464}"/>
+                <a16:creationId xmlns:a16="http://schemas.microsoft.com/office/drawing/2014/main" xmlns="" id="{2B304B6B-81EA-4B0C-9656-CAB574C16464}"/>
               </a:ext>
             </a:extLst>
           </p:cNvPr>
@@ -2302,7 +2302,7 @@
           <p:cNvPr id="4" name="Foliennummernplatzhalter 3">
             <a:extLst>
               <a:ext uri="{FF2B5EF4-FFF2-40B4-BE49-F238E27FC236}">
-                <a16:creationId xmlns:a16="http://schemas.microsoft.com/office/drawing/2014/main" id="{DCC815A9-6048-47DB-ADC5-9DC158CE5B5C}"/>
+                <a16:creationId xmlns:a16="http://schemas.microsoft.com/office/drawing/2014/main" xmlns="" id="{DCC815A9-6048-47DB-ADC5-9DC158CE5B5C}"/>
               </a:ext>
             </a:extLst>
           </p:cNvPr>
@@ -2361,7 +2361,7 @@
           <p:cNvPr id="2" name="Titel 1">
             <a:extLst>
               <a:ext uri="{FF2B5EF4-FFF2-40B4-BE49-F238E27FC236}">
-                <a16:creationId xmlns:a16="http://schemas.microsoft.com/office/drawing/2014/main" id="{EEF08C05-74AF-44AB-ACBC-67049ABB3DE9}"/>
+                <a16:creationId xmlns:a16="http://schemas.microsoft.com/office/drawing/2014/main" xmlns="" id="{EEF08C05-74AF-44AB-ACBC-67049ABB3DE9}"/>
               </a:ext>
             </a:extLst>
           </p:cNvPr>
@@ -2399,7 +2399,7 @@
           <p:cNvPr id="3" name="Inhaltsplatzhalter 2">
             <a:extLst>
               <a:ext uri="{FF2B5EF4-FFF2-40B4-BE49-F238E27FC236}">
-                <a16:creationId xmlns:a16="http://schemas.microsoft.com/office/drawing/2014/main" id="{24C7D131-51EF-48E3-930C-F093E67BCD77}"/>
+                <a16:creationId xmlns:a16="http://schemas.microsoft.com/office/drawing/2014/main" xmlns="" id="{24C7D131-51EF-48E3-930C-F093E67BCD77}"/>
               </a:ext>
             </a:extLst>
           </p:cNvPr>
@@ -2490,7 +2490,7 @@
           <p:cNvPr id="4" name="Textplatzhalter 3">
             <a:extLst>
               <a:ext uri="{FF2B5EF4-FFF2-40B4-BE49-F238E27FC236}">
-                <a16:creationId xmlns:a16="http://schemas.microsoft.com/office/drawing/2014/main" id="{A4C68A98-F9ED-4C1C-86D2-B24ABC9BB404}"/>
+                <a16:creationId xmlns:a16="http://schemas.microsoft.com/office/drawing/2014/main" xmlns="" id="{A4C68A98-F9ED-4C1C-86D2-B24ABC9BB404}"/>
               </a:ext>
             </a:extLst>
           </p:cNvPr>
@@ -2561,7 +2561,7 @@
           <p:cNvPr id="5" name="Datumsplatzhalter 4">
             <a:extLst>
               <a:ext uri="{FF2B5EF4-FFF2-40B4-BE49-F238E27FC236}">
-                <a16:creationId xmlns:a16="http://schemas.microsoft.com/office/drawing/2014/main" id="{E7CD738D-150F-41CA-819D-1F6E57027A32}"/>
+                <a16:creationId xmlns:a16="http://schemas.microsoft.com/office/drawing/2014/main" xmlns="" id="{E7CD738D-150F-41CA-819D-1F6E57027A32}"/>
               </a:ext>
             </a:extLst>
           </p:cNvPr>
@@ -2590,7 +2590,7 @@
           <p:cNvPr id="6" name="Fußzeilenplatzhalter 5">
             <a:extLst>
               <a:ext uri="{FF2B5EF4-FFF2-40B4-BE49-F238E27FC236}">
-                <a16:creationId xmlns:a16="http://schemas.microsoft.com/office/drawing/2014/main" id="{4B08635B-3679-4F1A-AA33-9DF26B5A77A1}"/>
+                <a16:creationId xmlns:a16="http://schemas.microsoft.com/office/drawing/2014/main" xmlns="" id="{4B08635B-3679-4F1A-AA33-9DF26B5A77A1}"/>
               </a:ext>
             </a:extLst>
           </p:cNvPr>
@@ -2615,7 +2615,7 @@
           <p:cNvPr id="7" name="Foliennummernplatzhalter 6">
             <a:extLst>
               <a:ext uri="{FF2B5EF4-FFF2-40B4-BE49-F238E27FC236}">
-                <a16:creationId xmlns:a16="http://schemas.microsoft.com/office/drawing/2014/main" id="{71F2DA49-EE81-4241-96F3-71944DDD15AB}"/>
+                <a16:creationId xmlns:a16="http://schemas.microsoft.com/office/drawing/2014/main" xmlns="" id="{71F2DA49-EE81-4241-96F3-71944DDD15AB}"/>
               </a:ext>
             </a:extLst>
           </p:cNvPr>
@@ -2674,7 +2674,7 @@
           <p:cNvPr id="2" name="Titel 1">
             <a:extLst>
               <a:ext uri="{FF2B5EF4-FFF2-40B4-BE49-F238E27FC236}">
-                <a16:creationId xmlns:a16="http://schemas.microsoft.com/office/drawing/2014/main" id="{E342009C-FA2C-4542-A3CE-382704A02955}"/>
+                <a16:creationId xmlns:a16="http://schemas.microsoft.com/office/drawing/2014/main" xmlns="" id="{E342009C-FA2C-4542-A3CE-382704A02955}"/>
               </a:ext>
             </a:extLst>
           </p:cNvPr>
@@ -2712,7 +2712,7 @@
           <p:cNvPr id="3" name="Bildplatzhalter 2">
             <a:extLst>
               <a:ext uri="{FF2B5EF4-FFF2-40B4-BE49-F238E27FC236}">
-                <a16:creationId xmlns:a16="http://schemas.microsoft.com/office/drawing/2014/main" id="{DBED8220-4527-4DEF-A6AF-69E1E70312A2}"/>
+                <a16:creationId xmlns:a16="http://schemas.microsoft.com/office/drawing/2014/main" xmlns="" id="{DBED8220-4527-4DEF-A6AF-69E1E70312A2}"/>
               </a:ext>
             </a:extLst>
           </p:cNvPr>
@@ -2779,7 +2779,7 @@
           <p:cNvPr id="4" name="Textplatzhalter 3">
             <a:extLst>
               <a:ext uri="{FF2B5EF4-FFF2-40B4-BE49-F238E27FC236}">
-                <a16:creationId xmlns:a16="http://schemas.microsoft.com/office/drawing/2014/main" id="{0CBBDDF6-EB89-4DC4-8FEE-F827D3602CB7}"/>
+                <a16:creationId xmlns:a16="http://schemas.microsoft.com/office/drawing/2014/main" xmlns="" id="{0CBBDDF6-EB89-4DC4-8FEE-F827D3602CB7}"/>
               </a:ext>
             </a:extLst>
           </p:cNvPr>
@@ -2850,7 +2850,7 @@
           <p:cNvPr id="5" name="Datumsplatzhalter 4">
             <a:extLst>
               <a:ext uri="{FF2B5EF4-FFF2-40B4-BE49-F238E27FC236}">
-                <a16:creationId xmlns:a16="http://schemas.microsoft.com/office/drawing/2014/main" id="{1227B9F1-208A-4B66-8360-0E7C2466F8DA}"/>
+                <a16:creationId xmlns:a16="http://schemas.microsoft.com/office/drawing/2014/main" xmlns="" id="{1227B9F1-208A-4B66-8360-0E7C2466F8DA}"/>
               </a:ext>
             </a:extLst>
           </p:cNvPr>
@@ -2879,7 +2879,7 @@
           <p:cNvPr id="6" name="Fußzeilenplatzhalter 5">
             <a:extLst>
               <a:ext uri="{FF2B5EF4-FFF2-40B4-BE49-F238E27FC236}">
-                <a16:creationId xmlns:a16="http://schemas.microsoft.com/office/drawing/2014/main" id="{0D80FD1E-EDD1-4DEA-BBEC-00CAE0D77AD6}"/>
+                <a16:creationId xmlns:a16="http://schemas.microsoft.com/office/drawing/2014/main" xmlns="" id="{0D80FD1E-EDD1-4DEA-BBEC-00CAE0D77AD6}"/>
               </a:ext>
             </a:extLst>
           </p:cNvPr>
@@ -2904,7 +2904,7 @@
           <p:cNvPr id="7" name="Foliennummernplatzhalter 6">
             <a:extLst>
               <a:ext uri="{FF2B5EF4-FFF2-40B4-BE49-F238E27FC236}">
-                <a16:creationId xmlns:a16="http://schemas.microsoft.com/office/drawing/2014/main" id="{D845902E-3CD2-4062-A387-F7A84EF342D5}"/>
+                <a16:creationId xmlns:a16="http://schemas.microsoft.com/office/drawing/2014/main" xmlns="" id="{D845902E-3CD2-4062-A387-F7A84EF342D5}"/>
               </a:ext>
             </a:extLst>
           </p:cNvPr>
@@ -2968,7 +2968,7 @@
           <p:cNvPr id="2" name="Titelplatzhalter 1">
             <a:extLst>
               <a:ext uri="{FF2B5EF4-FFF2-40B4-BE49-F238E27FC236}">
-                <a16:creationId xmlns:a16="http://schemas.microsoft.com/office/drawing/2014/main" id="{11625A3A-B35E-47DE-A1E9-D39FFCFDB738}"/>
+                <a16:creationId xmlns:a16="http://schemas.microsoft.com/office/drawing/2014/main" xmlns="" id="{11625A3A-B35E-47DE-A1E9-D39FFCFDB738}"/>
               </a:ext>
             </a:extLst>
           </p:cNvPr>
@@ -3007,7 +3007,7 @@
           <p:cNvPr id="3" name="Textplatzhalter 2">
             <a:extLst>
               <a:ext uri="{FF2B5EF4-FFF2-40B4-BE49-F238E27FC236}">
-                <a16:creationId xmlns:a16="http://schemas.microsoft.com/office/drawing/2014/main" id="{101D9785-2F17-43A1-9D93-0DC3BA36329F}"/>
+                <a16:creationId xmlns:a16="http://schemas.microsoft.com/office/drawing/2014/main" xmlns="" id="{101D9785-2F17-43A1-9D93-0DC3BA36329F}"/>
               </a:ext>
             </a:extLst>
           </p:cNvPr>
@@ -3075,7 +3075,7 @@
           <p:cNvPr id="4" name="Datumsplatzhalter 3">
             <a:extLst>
               <a:ext uri="{FF2B5EF4-FFF2-40B4-BE49-F238E27FC236}">
-                <a16:creationId xmlns:a16="http://schemas.microsoft.com/office/drawing/2014/main" id="{B15FE9C7-2236-4305-AE36-84863C74E8F7}"/>
+                <a16:creationId xmlns:a16="http://schemas.microsoft.com/office/drawing/2014/main" xmlns="" id="{B15FE9C7-2236-4305-AE36-84863C74E8F7}"/>
               </a:ext>
             </a:extLst>
           </p:cNvPr>
@@ -3122,7 +3122,7 @@
           <p:cNvPr id="5" name="Fußzeilenplatzhalter 4">
             <a:extLst>
               <a:ext uri="{FF2B5EF4-FFF2-40B4-BE49-F238E27FC236}">
-                <a16:creationId xmlns:a16="http://schemas.microsoft.com/office/drawing/2014/main" id="{2661C7E5-36B5-4545-BBC6-CBD2BE307933}"/>
+                <a16:creationId xmlns:a16="http://schemas.microsoft.com/office/drawing/2014/main" xmlns="" id="{2661C7E5-36B5-4545-BBC6-CBD2BE307933}"/>
               </a:ext>
             </a:extLst>
           </p:cNvPr>
@@ -3165,7 +3165,7 @@
           <p:cNvPr id="6" name="Foliennummernplatzhalter 5">
             <a:extLst>
               <a:ext uri="{FF2B5EF4-FFF2-40B4-BE49-F238E27FC236}">
-                <a16:creationId xmlns:a16="http://schemas.microsoft.com/office/drawing/2014/main" id="{13CEE9F2-2957-4026-887F-2665E2889CFC}"/>
+                <a16:creationId xmlns:a16="http://schemas.microsoft.com/office/drawing/2014/main" xmlns="" id="{13CEE9F2-2957-4026-887F-2665E2889CFC}"/>
               </a:ext>
             </a:extLst>
           </p:cNvPr>
@@ -3533,7 +3533,7 @@
           <p:cNvPr id="4" name="Titel 3">
             <a:extLst>
               <a:ext uri="{FF2B5EF4-FFF2-40B4-BE49-F238E27FC236}">
-                <a16:creationId xmlns:a16="http://schemas.microsoft.com/office/drawing/2014/main" id="{CC71FD41-4ECC-4094-881F-34B855A7A9F1}"/>
+                <a16:creationId xmlns:a16="http://schemas.microsoft.com/office/drawing/2014/main" xmlns="" id="{CC71FD41-4ECC-4094-881F-34B855A7A9F1}"/>
               </a:ext>
             </a:extLst>
           </p:cNvPr>
@@ -3570,7 +3570,7 @@
           <p:cNvPr id="5" name="Inhaltsplatzhalter 4">
             <a:extLst>
               <a:ext uri="{FF2B5EF4-FFF2-40B4-BE49-F238E27FC236}">
-                <a16:creationId xmlns:a16="http://schemas.microsoft.com/office/drawing/2014/main" id="{B00ADB5A-928C-4C38-9464-37412AC9E8B1}"/>
+                <a16:creationId xmlns:a16="http://schemas.microsoft.com/office/drawing/2014/main" xmlns="" id="{B00ADB5A-928C-4C38-9464-37412AC9E8B1}"/>
               </a:ext>
             </a:extLst>
           </p:cNvPr>
@@ -3586,28 +3586,66 @@
           <a:bodyPr/>
           <a:lstStyle/>
           <a:p>
-            <a:r>
-              <a:rPr lang="de-CH" dirty="0"/>
-              <a:t>Typgleichheit:</a:t>
-            </a:r>
-          </a:p>
-          <a:p>
-            <a:pPr lvl="1"/>
             <a:r>
               <a:rPr lang="de-CH" dirty="0" err="1"/>
               <a:t>Structural</a:t>
             </a:r>
             <a:r>
               <a:rPr lang="de-CH" dirty="0"/>
-              <a:t>: Über die Struktur des Objects</a:t>
-            </a:r>
+              <a:t> </a:t>
+            </a:r>
+            <a:r>
+              <a:rPr lang="de-CH" dirty="0" err="1"/>
+              <a:t>Typing</a:t>
+            </a:r>
+            <a:endParaRPr lang="de-CH" dirty="0"/>
           </a:p>
           <a:p>
             <a:pPr lvl="1"/>
             <a:r>
               <a:rPr lang="de-CH" dirty="0"/>
-              <a:t>Nominal: Über den Namen des Objects (Klasse, Interfaces)</a:t>
-            </a:r>
+              <a:t>Typengleichheit: Über die Struktur des Objects</a:t>
+            </a:r>
+          </a:p>
+          <a:p>
+            <a:pPr lvl="1"/>
+            <a:r>
+              <a:rPr lang="de-CH" dirty="0"/>
+              <a:t>Sprachen: Java, C#</a:t>
+            </a:r>
+          </a:p>
+          <a:p>
+            <a:pPr lvl="1"/>
+            <a:endParaRPr lang="de-CH" dirty="0"/>
+          </a:p>
+          <a:p>
+            <a:pPr lvl="1"/>
+            <a:endParaRPr lang="de-CH" dirty="0"/>
+          </a:p>
+          <a:p>
+            <a:r>
+              <a:rPr lang="de-CH" dirty="0"/>
+              <a:t>Nominal: </a:t>
+            </a:r>
+          </a:p>
+          <a:p>
+            <a:pPr lvl="1"/>
+            <a:r>
+              <a:rPr lang="de-CH" dirty="0"/>
+              <a:t>Typengleichheit : Über den Namen des Objects (Klasse, Interfaces)</a:t>
+            </a:r>
+          </a:p>
+          <a:p>
+            <a:pPr lvl="1"/>
+            <a:r>
+              <a:rPr lang="de-CH" dirty="0"/>
+              <a:t>Sprachen: Go, </a:t>
+            </a:r>
+            <a:r>
+              <a:rPr lang="de-CH" dirty="0" err="1"/>
+              <a:t>OCaml</a:t>
+            </a:r>
+            <a:endParaRPr lang="de-CH"/>
           </a:p>
           <a:p>
             <a:pPr marL="0" indent="0">
@@ -3623,66 +3661,6 @@
           </a:p>
         </p:txBody>
       </p:sp>
-      <p:pic>
-        <p:nvPicPr>
-          <p:cNvPr id="6" name="Grafik 5">
-            <a:extLst>
-              <a:ext uri="{FF2B5EF4-FFF2-40B4-BE49-F238E27FC236}">
-                <a16:creationId xmlns:a16="http://schemas.microsoft.com/office/drawing/2014/main" id="{0FCED1E7-D66A-4D21-87A8-F7433E4E4E64}"/>
-              </a:ext>
-            </a:extLst>
-          </p:cNvPr>
-          <p:cNvPicPr>
-            <a:picLocks noChangeAspect="1"/>
-          </p:cNvPicPr>
-          <p:nvPr/>
-        </p:nvPicPr>
-        <p:blipFill>
-          <a:blip r:embed="rId2"/>
-          <a:stretch>
-            <a:fillRect/>
-          </a:stretch>
-        </p:blipFill>
-        <p:spPr>
-          <a:xfrm>
-            <a:off x="585787" y="3248026"/>
-            <a:ext cx="4908176" cy="2928937"/>
-          </a:xfrm>
-          <a:prstGeom prst="rect">
-            <a:avLst/>
-          </a:prstGeom>
-        </p:spPr>
-      </p:pic>
-      <p:pic>
-        <p:nvPicPr>
-          <p:cNvPr id="7" name="Grafik 6">
-            <a:extLst>
-              <a:ext uri="{FF2B5EF4-FFF2-40B4-BE49-F238E27FC236}">
-                <a16:creationId xmlns:a16="http://schemas.microsoft.com/office/drawing/2014/main" id="{53C6C5C7-F1D4-4223-A989-BD843F467FA3}"/>
-              </a:ext>
-            </a:extLst>
-          </p:cNvPr>
-          <p:cNvPicPr>
-            <a:picLocks noChangeAspect="1"/>
-          </p:cNvPicPr>
-          <p:nvPr/>
-        </p:nvPicPr>
-        <p:blipFill>
-          <a:blip r:embed="rId3"/>
-          <a:stretch>
-            <a:fillRect/>
-          </a:stretch>
-        </p:blipFill>
-        <p:spPr>
-          <a:xfrm>
-            <a:off x="6395906" y="3427187"/>
-            <a:ext cx="4055951" cy="2570613"/>
-          </a:xfrm>
-          <a:prstGeom prst="rect">
-            <a:avLst/>
-          </a:prstGeom>
-        </p:spPr>
-      </p:pic>
     </p:spTree>
     <p:extLst>
       <p:ext uri="{BB962C8B-B14F-4D97-AF65-F5344CB8AC3E}">
@@ -3718,7 +3696,7 @@
           <p:cNvPr id="2" name="Titel 1">
             <a:extLst>
               <a:ext uri="{FF2B5EF4-FFF2-40B4-BE49-F238E27FC236}">
-                <a16:creationId xmlns:a16="http://schemas.microsoft.com/office/drawing/2014/main" id="{96C12794-0583-4EEA-8098-0EB4A6A36484}"/>
+                <a16:creationId xmlns:a16="http://schemas.microsoft.com/office/drawing/2014/main" xmlns="" id="{96C12794-0583-4EEA-8098-0EB4A6A36484}"/>
               </a:ext>
             </a:extLst>
           </p:cNvPr>
@@ -3746,7 +3724,7 @@
           <p:cNvPr id="3" name="Inhaltsplatzhalter 2">
             <a:extLst>
               <a:ext uri="{FF2B5EF4-FFF2-40B4-BE49-F238E27FC236}">
-                <a16:creationId xmlns:a16="http://schemas.microsoft.com/office/drawing/2014/main" id="{3F6EF1AB-CDB5-4029-9435-3BF16844C7D7}"/>
+                <a16:creationId xmlns:a16="http://schemas.microsoft.com/office/drawing/2014/main" xmlns="" id="{3F6EF1AB-CDB5-4029-9435-3BF16844C7D7}"/>
               </a:ext>
             </a:extLst>
           </p:cNvPr>
@@ -3791,7 +3769,7 @@
           <p:cNvPr id="4" name="Grafik 3">
             <a:extLst>
               <a:ext uri="{FF2B5EF4-FFF2-40B4-BE49-F238E27FC236}">
-                <a16:creationId xmlns:a16="http://schemas.microsoft.com/office/drawing/2014/main" id="{7197B235-B046-40B6-A81D-19DAC5D65767}"/>
+                <a16:creationId xmlns:a16="http://schemas.microsoft.com/office/drawing/2014/main" xmlns="" id="{7197B235-B046-40B6-A81D-19DAC5D65767}"/>
               </a:ext>
             </a:extLst>
           </p:cNvPr>
@@ -3821,7 +3799,7 @@
           <p:cNvPr id="5" name="Grafik 4">
             <a:extLst>
               <a:ext uri="{FF2B5EF4-FFF2-40B4-BE49-F238E27FC236}">
-                <a16:creationId xmlns:a16="http://schemas.microsoft.com/office/drawing/2014/main" id="{AE62854D-ECFE-4AC1-B117-662DC105DF76}"/>
+                <a16:creationId xmlns:a16="http://schemas.microsoft.com/office/drawing/2014/main" xmlns="" id="{AE62854D-ECFE-4AC1-B117-662DC105DF76}"/>
               </a:ext>
             </a:extLst>
           </p:cNvPr>
@@ -3881,7 +3859,7 @@
           <p:cNvPr id="2" name="Titel 1">
             <a:extLst>
               <a:ext uri="{FF2B5EF4-FFF2-40B4-BE49-F238E27FC236}">
-                <a16:creationId xmlns:a16="http://schemas.microsoft.com/office/drawing/2014/main" id="{01D99E7F-71BE-4CED-B680-BBA287DE1367}"/>
+                <a16:creationId xmlns:a16="http://schemas.microsoft.com/office/drawing/2014/main" xmlns="" id="{01D99E7F-71BE-4CED-B680-BBA287DE1367}"/>
               </a:ext>
             </a:extLst>
           </p:cNvPr>
@@ -3909,7 +3887,7 @@
           <p:cNvPr id="3" name="Inhaltsplatzhalter 2">
             <a:extLst>
               <a:ext uri="{FF2B5EF4-FFF2-40B4-BE49-F238E27FC236}">
-                <a16:creationId xmlns:a16="http://schemas.microsoft.com/office/drawing/2014/main" id="{587BE36D-70E5-44D1-8069-322840B594FF}"/>
+                <a16:creationId xmlns:a16="http://schemas.microsoft.com/office/drawing/2014/main" xmlns="" id="{587BE36D-70E5-44D1-8069-322840B594FF}"/>
               </a:ext>
             </a:extLst>
           </p:cNvPr>
@@ -4004,7 +3982,7 @@
           <p:cNvPr id="2" name="Titel 1">
             <a:extLst>
               <a:ext uri="{FF2B5EF4-FFF2-40B4-BE49-F238E27FC236}">
-                <a16:creationId xmlns:a16="http://schemas.microsoft.com/office/drawing/2014/main" id="{354A79DF-B347-4010-83A9-1AC287B09AEB}"/>
+                <a16:creationId xmlns:a16="http://schemas.microsoft.com/office/drawing/2014/main" xmlns="" id="{354A79DF-B347-4010-83A9-1AC287B09AEB}"/>
               </a:ext>
             </a:extLst>
           </p:cNvPr>
@@ -4032,7 +4010,7 @@
           <p:cNvPr id="3" name="Inhaltsplatzhalter 2">
             <a:extLst>
               <a:ext uri="{FF2B5EF4-FFF2-40B4-BE49-F238E27FC236}">
-                <a16:creationId xmlns:a16="http://schemas.microsoft.com/office/drawing/2014/main" id="{1A89DE8A-4662-426B-8F74-6855E4BC7ED9}"/>
+                <a16:creationId xmlns:a16="http://schemas.microsoft.com/office/drawing/2014/main" xmlns="" id="{1A89DE8A-4662-426B-8F74-6855E4BC7ED9}"/>
               </a:ext>
             </a:extLst>
           </p:cNvPr>
@@ -4120,7 +4098,7 @@
           <p:cNvPr id="2" name="Titel 1">
             <a:extLst>
               <a:ext uri="{FF2B5EF4-FFF2-40B4-BE49-F238E27FC236}">
-                <a16:creationId xmlns:a16="http://schemas.microsoft.com/office/drawing/2014/main" id="{1A59D4A1-C2BE-448D-8104-E989C630F970}"/>
+                <a16:creationId xmlns:a16="http://schemas.microsoft.com/office/drawing/2014/main" xmlns="" id="{1A59D4A1-C2BE-448D-8104-E989C630F970}"/>
               </a:ext>
             </a:extLst>
           </p:cNvPr>
@@ -4148,7 +4126,7 @@
           <p:cNvPr id="3" name="Inhaltsplatzhalter 2">
             <a:extLst>
               <a:ext uri="{FF2B5EF4-FFF2-40B4-BE49-F238E27FC236}">
-                <a16:creationId xmlns:a16="http://schemas.microsoft.com/office/drawing/2014/main" id="{79BF8B57-EC17-4F8E-8333-1512024B4462}"/>
+                <a16:creationId xmlns:a16="http://schemas.microsoft.com/office/drawing/2014/main" xmlns="" id="{79BF8B57-EC17-4F8E-8333-1512024B4462}"/>
               </a:ext>
             </a:extLst>
           </p:cNvPr>
@@ -4171,6 +4149,21 @@
           </a:p>
           <a:p>
             <a:pPr lvl="1"/>
+            <a:r>
+              <a:rPr lang="de-CH" dirty="0"/>
+              <a:t>Gute Lösung mit den Channels</a:t>
+            </a:r>
+          </a:p>
+          <a:p>
+            <a:pPr lvl="1"/>
+            <a:r>
+              <a:rPr lang="de-CH" dirty="0"/>
+              <a:t>Keine Header-Files mehr (.h</a:t>
+            </a:r>
+            <a:r>
+              <a:rPr lang="de-CH" dirty="0" smtClean="0"/>
+              <a:t>)</a:t>
+            </a:r>
             <a:endParaRPr lang="de-CH" dirty="0"/>
           </a:p>
           <a:p>

--- a/Go_2018.pptx
+++ b/Go_2018.pptx
@@ -442,7 +442,7 @@
           <a:p>
             <a:fld id="{166D5119-557E-47C9-9948-6184B9A19740}" type="datetimeFigureOut">
               <a:rPr lang="de-CH" smtClean="0"/>
-              <a:t>17.12.2018</a:t>
+              <a:t>18.12.2018</a:t>
             </a:fld>
             <a:endParaRPr lang="de-CH"/>
           </a:p>
@@ -642,7 +642,7 @@
           <a:p>
             <a:fld id="{166D5119-557E-47C9-9948-6184B9A19740}" type="datetimeFigureOut">
               <a:rPr lang="de-CH" smtClean="0"/>
-              <a:t>17.12.2018</a:t>
+              <a:t>18.12.2018</a:t>
             </a:fld>
             <a:endParaRPr lang="de-CH"/>
           </a:p>
@@ -852,7 +852,7 @@
           <a:p>
             <a:fld id="{166D5119-557E-47C9-9948-6184B9A19740}" type="datetimeFigureOut">
               <a:rPr lang="de-CH" smtClean="0"/>
-              <a:t>17.12.2018</a:t>
+              <a:t>18.12.2018</a:t>
             </a:fld>
             <a:endParaRPr lang="de-CH"/>
           </a:p>
@@ -1052,7 +1052,7 @@
           <a:p>
             <a:fld id="{166D5119-557E-47C9-9948-6184B9A19740}" type="datetimeFigureOut">
               <a:rPr lang="de-CH" smtClean="0"/>
-              <a:t>17.12.2018</a:t>
+              <a:t>18.12.2018</a:t>
             </a:fld>
             <a:endParaRPr lang="de-CH"/>
           </a:p>
@@ -1328,7 +1328,7 @@
           <a:p>
             <a:fld id="{166D5119-557E-47C9-9948-6184B9A19740}" type="datetimeFigureOut">
               <a:rPr lang="de-CH" smtClean="0"/>
-              <a:t>17.12.2018</a:t>
+              <a:t>18.12.2018</a:t>
             </a:fld>
             <a:endParaRPr lang="de-CH"/>
           </a:p>
@@ -1596,7 +1596,7 @@
           <a:p>
             <a:fld id="{166D5119-557E-47C9-9948-6184B9A19740}" type="datetimeFigureOut">
               <a:rPr lang="de-CH" smtClean="0"/>
-              <a:t>17.12.2018</a:t>
+              <a:t>18.12.2018</a:t>
             </a:fld>
             <a:endParaRPr lang="de-CH"/>
           </a:p>
@@ -2011,7 +2011,7 @@
           <a:p>
             <a:fld id="{166D5119-557E-47C9-9948-6184B9A19740}" type="datetimeFigureOut">
               <a:rPr lang="de-CH" smtClean="0"/>
-              <a:t>17.12.2018</a:t>
+              <a:t>18.12.2018</a:t>
             </a:fld>
             <a:endParaRPr lang="de-CH"/>
           </a:p>
@@ -2153,7 +2153,7 @@
           <a:p>
             <a:fld id="{166D5119-557E-47C9-9948-6184B9A19740}" type="datetimeFigureOut">
               <a:rPr lang="de-CH" smtClean="0"/>
-              <a:t>17.12.2018</a:t>
+              <a:t>18.12.2018</a:t>
             </a:fld>
             <a:endParaRPr lang="de-CH"/>
           </a:p>
@@ -2266,7 +2266,7 @@
           <a:p>
             <a:fld id="{166D5119-557E-47C9-9948-6184B9A19740}" type="datetimeFigureOut">
               <a:rPr lang="de-CH" smtClean="0"/>
-              <a:t>17.12.2018</a:t>
+              <a:t>18.12.2018</a:t>
             </a:fld>
             <a:endParaRPr lang="de-CH"/>
           </a:p>
@@ -2579,7 +2579,7 @@
           <a:p>
             <a:fld id="{166D5119-557E-47C9-9948-6184B9A19740}" type="datetimeFigureOut">
               <a:rPr lang="de-CH" smtClean="0"/>
-              <a:t>17.12.2018</a:t>
+              <a:t>18.12.2018</a:t>
             </a:fld>
             <a:endParaRPr lang="de-CH"/>
           </a:p>
@@ -2868,7 +2868,7 @@
           <a:p>
             <a:fld id="{166D5119-557E-47C9-9948-6184B9A19740}" type="datetimeFigureOut">
               <a:rPr lang="de-CH" smtClean="0"/>
-              <a:t>17.12.2018</a:t>
+              <a:t>18.12.2018</a:t>
             </a:fld>
             <a:endParaRPr lang="de-CH"/>
           </a:p>
@@ -3111,7 +3111,7 @@
           <a:p>
             <a:fld id="{166D5119-557E-47C9-9948-6184B9A19740}" type="datetimeFigureOut">
               <a:rPr lang="de-CH" smtClean="0"/>
-              <a:t>17.12.2018</a:t>
+              <a:t>18.12.2018</a:t>
             </a:fld>
             <a:endParaRPr lang="de-CH"/>
           </a:p>
@@ -4039,14 +4039,12 @@
           </a:p>
           <a:p>
             <a:r>
+              <a:rPr lang="de-CH" dirty="0" smtClean="0"/>
+              <a:t>Abwärtskompatibilität </a:t>
+            </a:r>
+            <a:r>
               <a:rPr lang="de-CH" dirty="0"/>
-              <a:t>Schnell</a:t>
-            </a:r>
-          </a:p>
-          <a:p>
-            <a:r>
-              <a:rPr lang="de-CH" dirty="0"/>
-              <a:t>Abwärtskompatibilität für Version 1.x</a:t>
+              <a:t>für Version 1.x</a:t>
             </a:r>
           </a:p>
           <a:p>
@@ -4058,8 +4056,31 @@
           <a:p>
             <a:r>
               <a:rPr lang="de-CH" dirty="0"/>
-              <a:t>Wenige Bibliotheken im Vergleich zu Java </a:t>
-            </a:r>
+              <a:t>Wenige Bibliotheken im Vergleich zu </a:t>
+            </a:r>
+            <a:r>
+              <a:rPr lang="de-CH" dirty="0" smtClean="0"/>
+              <a:t>Java</a:t>
+            </a:r>
+          </a:p>
+          <a:p>
+            <a:r>
+              <a:rPr lang="de-CH" dirty="0" smtClean="0"/>
+              <a:t>Verwenden für</a:t>
+            </a:r>
+            <a:r>
+              <a:rPr lang="de-CH" dirty="0" smtClean="0"/>
+              <a:t> </a:t>
+            </a:r>
+            <a:r>
+              <a:rPr lang="de-CH" dirty="0" err="1" smtClean="0"/>
+              <a:t>multithreading</a:t>
+            </a:r>
+            <a:r>
+              <a:rPr lang="de-CH" dirty="0" smtClean="0"/>
+              <a:t> Applikationen</a:t>
+            </a:r>
+            <a:endParaRPr lang="de-CH" dirty="0"/>
           </a:p>
         </p:txBody>
       </p:sp>

--- a/Go_2018.pptx
+++ b/Go_2018.pptx
@@ -315,7 +315,7 @@
           <p:cNvPr id="2" name="Titel 1">
             <a:extLst>
               <a:ext uri="{FF2B5EF4-FFF2-40B4-BE49-F238E27FC236}">
-                <a16:creationId xmlns:a16="http://schemas.microsoft.com/office/drawing/2014/main" xmlns="" id="{B96E9608-A687-45E0-9B69-DDEF54125BA6}"/>
+                <a16:creationId xmlns="" xmlns:a16="http://schemas.microsoft.com/office/drawing/2014/main" id="{B96E9608-A687-45E0-9B69-DDEF54125BA6}"/>
               </a:ext>
             </a:extLst>
           </p:cNvPr>
@@ -353,7 +353,7 @@
           <p:cNvPr id="3" name="Untertitel 2">
             <a:extLst>
               <a:ext uri="{FF2B5EF4-FFF2-40B4-BE49-F238E27FC236}">
-                <a16:creationId xmlns:a16="http://schemas.microsoft.com/office/drawing/2014/main" xmlns="" id="{D23FF9DB-5DDD-47F5-B7E3-1CBDDEE4F33A}"/>
+                <a16:creationId xmlns="" xmlns:a16="http://schemas.microsoft.com/office/drawing/2014/main" id="{D23FF9DB-5DDD-47F5-B7E3-1CBDDEE4F33A}"/>
               </a:ext>
             </a:extLst>
           </p:cNvPr>
@@ -424,7 +424,7 @@
           <p:cNvPr id="4" name="Datumsplatzhalter 3">
             <a:extLst>
               <a:ext uri="{FF2B5EF4-FFF2-40B4-BE49-F238E27FC236}">
-                <a16:creationId xmlns:a16="http://schemas.microsoft.com/office/drawing/2014/main" xmlns="" id="{332628F5-F31B-4383-8C33-DEABE231C1E5}"/>
+                <a16:creationId xmlns="" xmlns:a16="http://schemas.microsoft.com/office/drawing/2014/main" id="{332628F5-F31B-4383-8C33-DEABE231C1E5}"/>
               </a:ext>
             </a:extLst>
           </p:cNvPr>
@@ -453,7 +453,7 @@
           <p:cNvPr id="5" name="Fußzeilenplatzhalter 4">
             <a:extLst>
               <a:ext uri="{FF2B5EF4-FFF2-40B4-BE49-F238E27FC236}">
-                <a16:creationId xmlns:a16="http://schemas.microsoft.com/office/drawing/2014/main" xmlns="" id="{CF23EE5B-EEF3-44CA-AB20-D1CF0C299AB7}"/>
+                <a16:creationId xmlns="" xmlns:a16="http://schemas.microsoft.com/office/drawing/2014/main" id="{CF23EE5B-EEF3-44CA-AB20-D1CF0C299AB7}"/>
               </a:ext>
             </a:extLst>
           </p:cNvPr>
@@ -478,7 +478,7 @@
           <p:cNvPr id="6" name="Foliennummernplatzhalter 5">
             <a:extLst>
               <a:ext uri="{FF2B5EF4-FFF2-40B4-BE49-F238E27FC236}">
-                <a16:creationId xmlns:a16="http://schemas.microsoft.com/office/drawing/2014/main" xmlns="" id="{220F3B7A-DEC7-4779-AD3F-CEE5F021E9FB}"/>
+                <a16:creationId xmlns="" xmlns:a16="http://schemas.microsoft.com/office/drawing/2014/main" id="{220F3B7A-DEC7-4779-AD3F-CEE5F021E9FB}"/>
               </a:ext>
             </a:extLst>
           </p:cNvPr>
@@ -537,7 +537,7 @@
           <p:cNvPr id="2" name="Titel 1">
             <a:extLst>
               <a:ext uri="{FF2B5EF4-FFF2-40B4-BE49-F238E27FC236}">
-                <a16:creationId xmlns:a16="http://schemas.microsoft.com/office/drawing/2014/main" xmlns="" id="{02CDEFC5-CED1-432C-94F7-2D5C640F47D5}"/>
+                <a16:creationId xmlns="" xmlns:a16="http://schemas.microsoft.com/office/drawing/2014/main" id="{02CDEFC5-CED1-432C-94F7-2D5C640F47D5}"/>
               </a:ext>
             </a:extLst>
           </p:cNvPr>
@@ -566,7 +566,7 @@
           <p:cNvPr id="3" name="Vertikaler Textplatzhalter 2">
             <a:extLst>
               <a:ext uri="{FF2B5EF4-FFF2-40B4-BE49-F238E27FC236}">
-                <a16:creationId xmlns:a16="http://schemas.microsoft.com/office/drawing/2014/main" xmlns="" id="{71544B91-E3E6-4965-88BE-215D26C4E077}"/>
+                <a16:creationId xmlns="" xmlns:a16="http://schemas.microsoft.com/office/drawing/2014/main" id="{71544B91-E3E6-4965-88BE-215D26C4E077}"/>
               </a:ext>
             </a:extLst>
           </p:cNvPr>
@@ -624,7 +624,7 @@
           <p:cNvPr id="4" name="Datumsplatzhalter 3">
             <a:extLst>
               <a:ext uri="{FF2B5EF4-FFF2-40B4-BE49-F238E27FC236}">
-                <a16:creationId xmlns:a16="http://schemas.microsoft.com/office/drawing/2014/main" xmlns="" id="{4609595C-BD0C-4359-A73F-B9B872122FE1}"/>
+                <a16:creationId xmlns="" xmlns:a16="http://schemas.microsoft.com/office/drawing/2014/main" id="{4609595C-BD0C-4359-A73F-B9B872122FE1}"/>
               </a:ext>
             </a:extLst>
           </p:cNvPr>
@@ -653,7 +653,7 @@
           <p:cNvPr id="5" name="Fußzeilenplatzhalter 4">
             <a:extLst>
               <a:ext uri="{FF2B5EF4-FFF2-40B4-BE49-F238E27FC236}">
-                <a16:creationId xmlns:a16="http://schemas.microsoft.com/office/drawing/2014/main" xmlns="" id="{82D7BC16-9055-4AF7-9130-E6EF792DA5D9}"/>
+                <a16:creationId xmlns="" xmlns:a16="http://schemas.microsoft.com/office/drawing/2014/main" id="{82D7BC16-9055-4AF7-9130-E6EF792DA5D9}"/>
               </a:ext>
             </a:extLst>
           </p:cNvPr>
@@ -678,7 +678,7 @@
           <p:cNvPr id="6" name="Foliennummernplatzhalter 5">
             <a:extLst>
               <a:ext uri="{FF2B5EF4-FFF2-40B4-BE49-F238E27FC236}">
-                <a16:creationId xmlns:a16="http://schemas.microsoft.com/office/drawing/2014/main" xmlns="" id="{02814A1C-CB44-497A-9CC8-863FC0E1593D}"/>
+                <a16:creationId xmlns="" xmlns:a16="http://schemas.microsoft.com/office/drawing/2014/main" id="{02814A1C-CB44-497A-9CC8-863FC0E1593D}"/>
               </a:ext>
             </a:extLst>
           </p:cNvPr>
@@ -737,7 +737,7 @@
           <p:cNvPr id="2" name="Vertikaler Titel 1">
             <a:extLst>
               <a:ext uri="{FF2B5EF4-FFF2-40B4-BE49-F238E27FC236}">
-                <a16:creationId xmlns:a16="http://schemas.microsoft.com/office/drawing/2014/main" xmlns="" id="{C071D54F-2022-4931-B1D9-667846FEB0AD}"/>
+                <a16:creationId xmlns="" xmlns:a16="http://schemas.microsoft.com/office/drawing/2014/main" id="{C071D54F-2022-4931-B1D9-667846FEB0AD}"/>
               </a:ext>
             </a:extLst>
           </p:cNvPr>
@@ -771,7 +771,7 @@
           <p:cNvPr id="3" name="Vertikaler Textplatzhalter 2">
             <a:extLst>
               <a:ext uri="{FF2B5EF4-FFF2-40B4-BE49-F238E27FC236}">
-                <a16:creationId xmlns:a16="http://schemas.microsoft.com/office/drawing/2014/main" xmlns="" id="{AD0AD71D-3689-4213-90A8-FA739AA6A4B1}"/>
+                <a16:creationId xmlns="" xmlns:a16="http://schemas.microsoft.com/office/drawing/2014/main" id="{AD0AD71D-3689-4213-90A8-FA739AA6A4B1}"/>
               </a:ext>
             </a:extLst>
           </p:cNvPr>
@@ -834,7 +834,7 @@
           <p:cNvPr id="4" name="Datumsplatzhalter 3">
             <a:extLst>
               <a:ext uri="{FF2B5EF4-FFF2-40B4-BE49-F238E27FC236}">
-                <a16:creationId xmlns:a16="http://schemas.microsoft.com/office/drawing/2014/main" xmlns="" id="{1C76DDFD-E3B2-4B7E-A7D2-45B2872DEA3F}"/>
+                <a16:creationId xmlns="" xmlns:a16="http://schemas.microsoft.com/office/drawing/2014/main" id="{1C76DDFD-E3B2-4B7E-A7D2-45B2872DEA3F}"/>
               </a:ext>
             </a:extLst>
           </p:cNvPr>
@@ -863,7 +863,7 @@
           <p:cNvPr id="5" name="Fußzeilenplatzhalter 4">
             <a:extLst>
               <a:ext uri="{FF2B5EF4-FFF2-40B4-BE49-F238E27FC236}">
-                <a16:creationId xmlns:a16="http://schemas.microsoft.com/office/drawing/2014/main" xmlns="" id="{E3444912-A71C-4013-B5C1-BF545988DB3F}"/>
+                <a16:creationId xmlns="" xmlns:a16="http://schemas.microsoft.com/office/drawing/2014/main" id="{E3444912-A71C-4013-B5C1-BF545988DB3F}"/>
               </a:ext>
             </a:extLst>
           </p:cNvPr>
@@ -888,7 +888,7 @@
           <p:cNvPr id="6" name="Foliennummernplatzhalter 5">
             <a:extLst>
               <a:ext uri="{FF2B5EF4-FFF2-40B4-BE49-F238E27FC236}">
-                <a16:creationId xmlns:a16="http://schemas.microsoft.com/office/drawing/2014/main" xmlns="" id="{11B17EF4-2EE1-4FA4-B343-3E86C2B0563D}"/>
+                <a16:creationId xmlns="" xmlns:a16="http://schemas.microsoft.com/office/drawing/2014/main" id="{11B17EF4-2EE1-4FA4-B343-3E86C2B0563D}"/>
               </a:ext>
             </a:extLst>
           </p:cNvPr>
@@ -947,7 +947,7 @@
           <p:cNvPr id="2" name="Titel 1">
             <a:extLst>
               <a:ext uri="{FF2B5EF4-FFF2-40B4-BE49-F238E27FC236}">
-                <a16:creationId xmlns:a16="http://schemas.microsoft.com/office/drawing/2014/main" xmlns="" id="{A5B73016-4A51-45D5-B65C-91C937BA651F}"/>
+                <a16:creationId xmlns="" xmlns:a16="http://schemas.microsoft.com/office/drawing/2014/main" id="{A5B73016-4A51-45D5-B65C-91C937BA651F}"/>
               </a:ext>
             </a:extLst>
           </p:cNvPr>
@@ -976,7 +976,7 @@
           <p:cNvPr id="3" name="Inhaltsplatzhalter 2">
             <a:extLst>
               <a:ext uri="{FF2B5EF4-FFF2-40B4-BE49-F238E27FC236}">
-                <a16:creationId xmlns:a16="http://schemas.microsoft.com/office/drawing/2014/main" xmlns="" id="{CD672BA4-1C63-48AB-8E8D-89C309891BEC}"/>
+                <a16:creationId xmlns="" xmlns:a16="http://schemas.microsoft.com/office/drawing/2014/main" id="{CD672BA4-1C63-48AB-8E8D-89C309891BEC}"/>
               </a:ext>
             </a:extLst>
           </p:cNvPr>
@@ -1034,7 +1034,7 @@
           <p:cNvPr id="4" name="Datumsplatzhalter 3">
             <a:extLst>
               <a:ext uri="{FF2B5EF4-FFF2-40B4-BE49-F238E27FC236}">
-                <a16:creationId xmlns:a16="http://schemas.microsoft.com/office/drawing/2014/main" xmlns="" id="{77239907-050F-4956-828C-300EE1EBF9E0}"/>
+                <a16:creationId xmlns="" xmlns:a16="http://schemas.microsoft.com/office/drawing/2014/main" id="{77239907-050F-4956-828C-300EE1EBF9E0}"/>
               </a:ext>
             </a:extLst>
           </p:cNvPr>
@@ -1063,7 +1063,7 @@
           <p:cNvPr id="5" name="Fußzeilenplatzhalter 4">
             <a:extLst>
               <a:ext uri="{FF2B5EF4-FFF2-40B4-BE49-F238E27FC236}">
-                <a16:creationId xmlns:a16="http://schemas.microsoft.com/office/drawing/2014/main" xmlns="" id="{CDE69BBD-D08C-4158-8F59-F8B6E51BA5D9}"/>
+                <a16:creationId xmlns="" xmlns:a16="http://schemas.microsoft.com/office/drawing/2014/main" id="{CDE69BBD-D08C-4158-8F59-F8B6E51BA5D9}"/>
               </a:ext>
             </a:extLst>
           </p:cNvPr>
@@ -1088,7 +1088,7 @@
           <p:cNvPr id="6" name="Foliennummernplatzhalter 5">
             <a:extLst>
               <a:ext uri="{FF2B5EF4-FFF2-40B4-BE49-F238E27FC236}">
-                <a16:creationId xmlns:a16="http://schemas.microsoft.com/office/drawing/2014/main" xmlns="" id="{4C3BD813-AEFA-46E7-8DD4-87BE7912D3EA}"/>
+                <a16:creationId xmlns="" xmlns:a16="http://schemas.microsoft.com/office/drawing/2014/main" id="{4C3BD813-AEFA-46E7-8DD4-87BE7912D3EA}"/>
               </a:ext>
             </a:extLst>
           </p:cNvPr>
@@ -1147,7 +1147,7 @@
           <p:cNvPr id="2" name="Titel 1">
             <a:extLst>
               <a:ext uri="{FF2B5EF4-FFF2-40B4-BE49-F238E27FC236}">
-                <a16:creationId xmlns:a16="http://schemas.microsoft.com/office/drawing/2014/main" xmlns="" id="{C2561214-CE38-4D52-A3C3-2C63381F74F6}"/>
+                <a16:creationId xmlns="" xmlns:a16="http://schemas.microsoft.com/office/drawing/2014/main" id="{C2561214-CE38-4D52-A3C3-2C63381F74F6}"/>
               </a:ext>
             </a:extLst>
           </p:cNvPr>
@@ -1185,7 +1185,7 @@
           <p:cNvPr id="3" name="Textplatzhalter 2">
             <a:extLst>
               <a:ext uri="{FF2B5EF4-FFF2-40B4-BE49-F238E27FC236}">
-                <a16:creationId xmlns:a16="http://schemas.microsoft.com/office/drawing/2014/main" xmlns="" id="{E53BEA3F-B58B-4533-838A-19FE89D08C3B}"/>
+                <a16:creationId xmlns="" xmlns:a16="http://schemas.microsoft.com/office/drawing/2014/main" id="{E53BEA3F-B58B-4533-838A-19FE89D08C3B}"/>
               </a:ext>
             </a:extLst>
           </p:cNvPr>
@@ -1310,7 +1310,7 @@
           <p:cNvPr id="4" name="Datumsplatzhalter 3">
             <a:extLst>
               <a:ext uri="{FF2B5EF4-FFF2-40B4-BE49-F238E27FC236}">
-                <a16:creationId xmlns:a16="http://schemas.microsoft.com/office/drawing/2014/main" xmlns="" id="{D86FB71E-7DE1-4325-B1CA-6C7C7D4191EF}"/>
+                <a16:creationId xmlns="" xmlns:a16="http://schemas.microsoft.com/office/drawing/2014/main" id="{D86FB71E-7DE1-4325-B1CA-6C7C7D4191EF}"/>
               </a:ext>
             </a:extLst>
           </p:cNvPr>
@@ -1339,7 +1339,7 @@
           <p:cNvPr id="5" name="Fußzeilenplatzhalter 4">
             <a:extLst>
               <a:ext uri="{FF2B5EF4-FFF2-40B4-BE49-F238E27FC236}">
-                <a16:creationId xmlns:a16="http://schemas.microsoft.com/office/drawing/2014/main" xmlns="" id="{3D56CD9D-1323-4A55-ADF0-DBE170A26277}"/>
+                <a16:creationId xmlns="" xmlns:a16="http://schemas.microsoft.com/office/drawing/2014/main" id="{3D56CD9D-1323-4A55-ADF0-DBE170A26277}"/>
               </a:ext>
             </a:extLst>
           </p:cNvPr>
@@ -1364,7 +1364,7 @@
           <p:cNvPr id="6" name="Foliennummernplatzhalter 5">
             <a:extLst>
               <a:ext uri="{FF2B5EF4-FFF2-40B4-BE49-F238E27FC236}">
-                <a16:creationId xmlns:a16="http://schemas.microsoft.com/office/drawing/2014/main" xmlns="" id="{D7B50E0C-29AC-4BFB-9252-18EDCCDD7933}"/>
+                <a16:creationId xmlns="" xmlns:a16="http://schemas.microsoft.com/office/drawing/2014/main" id="{D7B50E0C-29AC-4BFB-9252-18EDCCDD7933}"/>
               </a:ext>
             </a:extLst>
           </p:cNvPr>
@@ -1423,7 +1423,7 @@
           <p:cNvPr id="2" name="Titel 1">
             <a:extLst>
               <a:ext uri="{FF2B5EF4-FFF2-40B4-BE49-F238E27FC236}">
-                <a16:creationId xmlns:a16="http://schemas.microsoft.com/office/drawing/2014/main" xmlns="" id="{AA9EA7B9-18B9-4BA5-BF85-67FDCC0F03B9}"/>
+                <a16:creationId xmlns="" xmlns:a16="http://schemas.microsoft.com/office/drawing/2014/main" id="{AA9EA7B9-18B9-4BA5-BF85-67FDCC0F03B9}"/>
               </a:ext>
             </a:extLst>
           </p:cNvPr>
@@ -1452,7 +1452,7 @@
           <p:cNvPr id="3" name="Inhaltsplatzhalter 2">
             <a:extLst>
               <a:ext uri="{FF2B5EF4-FFF2-40B4-BE49-F238E27FC236}">
-                <a16:creationId xmlns:a16="http://schemas.microsoft.com/office/drawing/2014/main" xmlns="" id="{80543C2E-3720-49E2-A8CC-0E2FA72A92B1}"/>
+                <a16:creationId xmlns="" xmlns:a16="http://schemas.microsoft.com/office/drawing/2014/main" id="{80543C2E-3720-49E2-A8CC-0E2FA72A92B1}"/>
               </a:ext>
             </a:extLst>
           </p:cNvPr>
@@ -1515,7 +1515,7 @@
           <p:cNvPr id="4" name="Inhaltsplatzhalter 3">
             <a:extLst>
               <a:ext uri="{FF2B5EF4-FFF2-40B4-BE49-F238E27FC236}">
-                <a16:creationId xmlns:a16="http://schemas.microsoft.com/office/drawing/2014/main" xmlns="" id="{C15206CB-9664-436C-8D1C-ECB58115E130}"/>
+                <a16:creationId xmlns="" xmlns:a16="http://schemas.microsoft.com/office/drawing/2014/main" id="{C15206CB-9664-436C-8D1C-ECB58115E130}"/>
               </a:ext>
             </a:extLst>
           </p:cNvPr>
@@ -1578,7 +1578,7 @@
           <p:cNvPr id="5" name="Datumsplatzhalter 4">
             <a:extLst>
               <a:ext uri="{FF2B5EF4-FFF2-40B4-BE49-F238E27FC236}">
-                <a16:creationId xmlns:a16="http://schemas.microsoft.com/office/drawing/2014/main" xmlns="" id="{6A9E2087-62C0-408C-930A-74C28568A672}"/>
+                <a16:creationId xmlns="" xmlns:a16="http://schemas.microsoft.com/office/drawing/2014/main" id="{6A9E2087-62C0-408C-930A-74C28568A672}"/>
               </a:ext>
             </a:extLst>
           </p:cNvPr>
@@ -1607,7 +1607,7 @@
           <p:cNvPr id="6" name="Fußzeilenplatzhalter 5">
             <a:extLst>
               <a:ext uri="{FF2B5EF4-FFF2-40B4-BE49-F238E27FC236}">
-                <a16:creationId xmlns:a16="http://schemas.microsoft.com/office/drawing/2014/main" xmlns="" id="{87C71980-2614-40C8-9875-3292AAF42530}"/>
+                <a16:creationId xmlns="" xmlns:a16="http://schemas.microsoft.com/office/drawing/2014/main" id="{87C71980-2614-40C8-9875-3292AAF42530}"/>
               </a:ext>
             </a:extLst>
           </p:cNvPr>
@@ -1632,7 +1632,7 @@
           <p:cNvPr id="7" name="Foliennummernplatzhalter 6">
             <a:extLst>
               <a:ext uri="{FF2B5EF4-FFF2-40B4-BE49-F238E27FC236}">
-                <a16:creationId xmlns:a16="http://schemas.microsoft.com/office/drawing/2014/main" xmlns="" id="{F7B86B2B-90D8-4FFE-B4A7-CCD4931A8F1A}"/>
+                <a16:creationId xmlns="" xmlns:a16="http://schemas.microsoft.com/office/drawing/2014/main" id="{F7B86B2B-90D8-4FFE-B4A7-CCD4931A8F1A}"/>
               </a:ext>
             </a:extLst>
           </p:cNvPr>
@@ -1691,7 +1691,7 @@
           <p:cNvPr id="2" name="Titel 1">
             <a:extLst>
               <a:ext uri="{FF2B5EF4-FFF2-40B4-BE49-F238E27FC236}">
-                <a16:creationId xmlns:a16="http://schemas.microsoft.com/office/drawing/2014/main" xmlns="" id="{FB1DFCD8-B181-4FB2-9574-B767425A04CF}"/>
+                <a16:creationId xmlns="" xmlns:a16="http://schemas.microsoft.com/office/drawing/2014/main" id="{FB1DFCD8-B181-4FB2-9574-B767425A04CF}"/>
               </a:ext>
             </a:extLst>
           </p:cNvPr>
@@ -1725,7 +1725,7 @@
           <p:cNvPr id="3" name="Textplatzhalter 2">
             <a:extLst>
               <a:ext uri="{FF2B5EF4-FFF2-40B4-BE49-F238E27FC236}">
-                <a16:creationId xmlns:a16="http://schemas.microsoft.com/office/drawing/2014/main" xmlns="" id="{F0B556E4-9D08-4DF0-9F58-8A4B4D7DC84A}"/>
+                <a16:creationId xmlns="" xmlns:a16="http://schemas.microsoft.com/office/drawing/2014/main" id="{F0B556E4-9D08-4DF0-9F58-8A4B4D7DC84A}"/>
               </a:ext>
             </a:extLst>
           </p:cNvPr>
@@ -1796,7 +1796,7 @@
           <p:cNvPr id="4" name="Inhaltsplatzhalter 3">
             <a:extLst>
               <a:ext uri="{FF2B5EF4-FFF2-40B4-BE49-F238E27FC236}">
-                <a16:creationId xmlns:a16="http://schemas.microsoft.com/office/drawing/2014/main" xmlns="" id="{C96257FE-687A-4844-A383-55375BEFBAF4}"/>
+                <a16:creationId xmlns="" xmlns:a16="http://schemas.microsoft.com/office/drawing/2014/main" id="{C96257FE-687A-4844-A383-55375BEFBAF4}"/>
               </a:ext>
             </a:extLst>
           </p:cNvPr>
@@ -1859,7 +1859,7 @@
           <p:cNvPr id="5" name="Textplatzhalter 4">
             <a:extLst>
               <a:ext uri="{FF2B5EF4-FFF2-40B4-BE49-F238E27FC236}">
-                <a16:creationId xmlns:a16="http://schemas.microsoft.com/office/drawing/2014/main" xmlns="" id="{7EA23111-1A93-4FC9-B1B9-369EE83E23DD}"/>
+                <a16:creationId xmlns="" xmlns:a16="http://schemas.microsoft.com/office/drawing/2014/main" id="{7EA23111-1A93-4FC9-B1B9-369EE83E23DD}"/>
               </a:ext>
             </a:extLst>
           </p:cNvPr>
@@ -1930,7 +1930,7 @@
           <p:cNvPr id="6" name="Inhaltsplatzhalter 5">
             <a:extLst>
               <a:ext uri="{FF2B5EF4-FFF2-40B4-BE49-F238E27FC236}">
-                <a16:creationId xmlns:a16="http://schemas.microsoft.com/office/drawing/2014/main" xmlns="" id="{1F11E29C-5584-4ACB-98B1-3495FAB62CF8}"/>
+                <a16:creationId xmlns="" xmlns:a16="http://schemas.microsoft.com/office/drawing/2014/main" id="{1F11E29C-5584-4ACB-98B1-3495FAB62CF8}"/>
               </a:ext>
             </a:extLst>
           </p:cNvPr>
@@ -1993,7 +1993,7 @@
           <p:cNvPr id="7" name="Datumsplatzhalter 6">
             <a:extLst>
               <a:ext uri="{FF2B5EF4-FFF2-40B4-BE49-F238E27FC236}">
-                <a16:creationId xmlns:a16="http://schemas.microsoft.com/office/drawing/2014/main" xmlns="" id="{632979AD-3236-4CB9-A4ED-35D8091C934D}"/>
+                <a16:creationId xmlns="" xmlns:a16="http://schemas.microsoft.com/office/drawing/2014/main" id="{632979AD-3236-4CB9-A4ED-35D8091C934D}"/>
               </a:ext>
             </a:extLst>
           </p:cNvPr>
@@ -2022,7 +2022,7 @@
           <p:cNvPr id="8" name="Fußzeilenplatzhalter 7">
             <a:extLst>
               <a:ext uri="{FF2B5EF4-FFF2-40B4-BE49-F238E27FC236}">
-                <a16:creationId xmlns:a16="http://schemas.microsoft.com/office/drawing/2014/main" xmlns="" id="{F50BCB2B-695C-42EB-B01B-4D50CE01C963}"/>
+                <a16:creationId xmlns="" xmlns:a16="http://schemas.microsoft.com/office/drawing/2014/main" id="{F50BCB2B-695C-42EB-B01B-4D50CE01C963}"/>
               </a:ext>
             </a:extLst>
           </p:cNvPr>
@@ -2047,7 +2047,7 @@
           <p:cNvPr id="9" name="Foliennummernplatzhalter 8">
             <a:extLst>
               <a:ext uri="{FF2B5EF4-FFF2-40B4-BE49-F238E27FC236}">
-                <a16:creationId xmlns:a16="http://schemas.microsoft.com/office/drawing/2014/main" xmlns="" id="{60CD150D-FEFF-48DF-BD77-2A8E584808C3}"/>
+                <a16:creationId xmlns="" xmlns:a16="http://schemas.microsoft.com/office/drawing/2014/main" id="{60CD150D-FEFF-48DF-BD77-2A8E584808C3}"/>
               </a:ext>
             </a:extLst>
           </p:cNvPr>
@@ -2106,7 +2106,7 @@
           <p:cNvPr id="2" name="Titel 1">
             <a:extLst>
               <a:ext uri="{FF2B5EF4-FFF2-40B4-BE49-F238E27FC236}">
-                <a16:creationId xmlns:a16="http://schemas.microsoft.com/office/drawing/2014/main" xmlns="" id="{D597DCDB-237E-434F-9322-0D124E185BA8}"/>
+                <a16:creationId xmlns="" xmlns:a16="http://schemas.microsoft.com/office/drawing/2014/main" id="{D597DCDB-237E-434F-9322-0D124E185BA8}"/>
               </a:ext>
             </a:extLst>
           </p:cNvPr>
@@ -2135,7 +2135,7 @@
           <p:cNvPr id="3" name="Datumsplatzhalter 2">
             <a:extLst>
               <a:ext uri="{FF2B5EF4-FFF2-40B4-BE49-F238E27FC236}">
-                <a16:creationId xmlns:a16="http://schemas.microsoft.com/office/drawing/2014/main" xmlns="" id="{5876E57D-C268-4228-A4E1-3C46AD162CE4}"/>
+                <a16:creationId xmlns="" xmlns:a16="http://schemas.microsoft.com/office/drawing/2014/main" id="{5876E57D-C268-4228-A4E1-3C46AD162CE4}"/>
               </a:ext>
             </a:extLst>
           </p:cNvPr>
@@ -2164,7 +2164,7 @@
           <p:cNvPr id="4" name="Fußzeilenplatzhalter 3">
             <a:extLst>
               <a:ext uri="{FF2B5EF4-FFF2-40B4-BE49-F238E27FC236}">
-                <a16:creationId xmlns:a16="http://schemas.microsoft.com/office/drawing/2014/main" xmlns="" id="{0CC77D8A-9AAE-4B5D-98B5-045291C29E89}"/>
+                <a16:creationId xmlns="" xmlns:a16="http://schemas.microsoft.com/office/drawing/2014/main" id="{0CC77D8A-9AAE-4B5D-98B5-045291C29E89}"/>
               </a:ext>
             </a:extLst>
           </p:cNvPr>
@@ -2189,7 +2189,7 @@
           <p:cNvPr id="5" name="Foliennummernplatzhalter 4">
             <a:extLst>
               <a:ext uri="{FF2B5EF4-FFF2-40B4-BE49-F238E27FC236}">
-                <a16:creationId xmlns:a16="http://schemas.microsoft.com/office/drawing/2014/main" xmlns="" id="{87BC7BB2-AE2F-4A30-A096-BF580F8B8600}"/>
+                <a16:creationId xmlns="" xmlns:a16="http://schemas.microsoft.com/office/drawing/2014/main" id="{87BC7BB2-AE2F-4A30-A096-BF580F8B8600}"/>
               </a:ext>
             </a:extLst>
           </p:cNvPr>
@@ -2248,7 +2248,7 @@
           <p:cNvPr id="2" name="Datumsplatzhalter 1">
             <a:extLst>
               <a:ext uri="{FF2B5EF4-FFF2-40B4-BE49-F238E27FC236}">
-                <a16:creationId xmlns:a16="http://schemas.microsoft.com/office/drawing/2014/main" xmlns="" id="{178E65E1-97DF-4630-8716-F7CD6FD1723C}"/>
+                <a16:creationId xmlns="" xmlns:a16="http://schemas.microsoft.com/office/drawing/2014/main" id="{178E65E1-97DF-4630-8716-F7CD6FD1723C}"/>
               </a:ext>
             </a:extLst>
           </p:cNvPr>
@@ -2277,7 +2277,7 @@
           <p:cNvPr id="3" name="Fußzeilenplatzhalter 2">
             <a:extLst>
               <a:ext uri="{FF2B5EF4-FFF2-40B4-BE49-F238E27FC236}">
-                <a16:creationId xmlns:a16="http://schemas.microsoft.com/office/drawing/2014/main" xmlns="" id="{2B304B6B-81EA-4B0C-9656-CAB574C16464}"/>
+                <a16:creationId xmlns="" xmlns:a16="http://schemas.microsoft.com/office/drawing/2014/main" id="{2B304B6B-81EA-4B0C-9656-CAB574C16464}"/>
               </a:ext>
             </a:extLst>
           </p:cNvPr>
@@ -2302,7 +2302,7 @@
           <p:cNvPr id="4" name="Foliennummernplatzhalter 3">
             <a:extLst>
               <a:ext uri="{FF2B5EF4-FFF2-40B4-BE49-F238E27FC236}">
-                <a16:creationId xmlns:a16="http://schemas.microsoft.com/office/drawing/2014/main" xmlns="" id="{DCC815A9-6048-47DB-ADC5-9DC158CE5B5C}"/>
+                <a16:creationId xmlns="" xmlns:a16="http://schemas.microsoft.com/office/drawing/2014/main" id="{DCC815A9-6048-47DB-ADC5-9DC158CE5B5C}"/>
               </a:ext>
             </a:extLst>
           </p:cNvPr>
@@ -2361,7 +2361,7 @@
           <p:cNvPr id="2" name="Titel 1">
             <a:extLst>
               <a:ext uri="{FF2B5EF4-FFF2-40B4-BE49-F238E27FC236}">
-                <a16:creationId xmlns:a16="http://schemas.microsoft.com/office/drawing/2014/main" xmlns="" id="{EEF08C05-74AF-44AB-ACBC-67049ABB3DE9}"/>
+                <a16:creationId xmlns="" xmlns:a16="http://schemas.microsoft.com/office/drawing/2014/main" id="{EEF08C05-74AF-44AB-ACBC-67049ABB3DE9}"/>
               </a:ext>
             </a:extLst>
           </p:cNvPr>
@@ -2399,7 +2399,7 @@
           <p:cNvPr id="3" name="Inhaltsplatzhalter 2">
             <a:extLst>
               <a:ext uri="{FF2B5EF4-FFF2-40B4-BE49-F238E27FC236}">
-                <a16:creationId xmlns:a16="http://schemas.microsoft.com/office/drawing/2014/main" xmlns="" id="{24C7D131-51EF-48E3-930C-F093E67BCD77}"/>
+                <a16:creationId xmlns="" xmlns:a16="http://schemas.microsoft.com/office/drawing/2014/main" id="{24C7D131-51EF-48E3-930C-F093E67BCD77}"/>
               </a:ext>
             </a:extLst>
           </p:cNvPr>
@@ -2490,7 +2490,7 @@
           <p:cNvPr id="4" name="Textplatzhalter 3">
             <a:extLst>
               <a:ext uri="{FF2B5EF4-FFF2-40B4-BE49-F238E27FC236}">
-                <a16:creationId xmlns:a16="http://schemas.microsoft.com/office/drawing/2014/main" xmlns="" id="{A4C68A98-F9ED-4C1C-86D2-B24ABC9BB404}"/>
+                <a16:creationId xmlns="" xmlns:a16="http://schemas.microsoft.com/office/drawing/2014/main" id="{A4C68A98-F9ED-4C1C-86D2-B24ABC9BB404}"/>
               </a:ext>
             </a:extLst>
           </p:cNvPr>
@@ -2561,7 +2561,7 @@
           <p:cNvPr id="5" name="Datumsplatzhalter 4">
             <a:extLst>
               <a:ext uri="{FF2B5EF4-FFF2-40B4-BE49-F238E27FC236}">
-                <a16:creationId xmlns:a16="http://schemas.microsoft.com/office/drawing/2014/main" xmlns="" id="{E7CD738D-150F-41CA-819D-1F6E57027A32}"/>
+                <a16:creationId xmlns="" xmlns:a16="http://schemas.microsoft.com/office/drawing/2014/main" id="{E7CD738D-150F-41CA-819D-1F6E57027A32}"/>
               </a:ext>
             </a:extLst>
           </p:cNvPr>
@@ -2590,7 +2590,7 @@
           <p:cNvPr id="6" name="Fußzeilenplatzhalter 5">
             <a:extLst>
               <a:ext uri="{FF2B5EF4-FFF2-40B4-BE49-F238E27FC236}">
-                <a16:creationId xmlns:a16="http://schemas.microsoft.com/office/drawing/2014/main" xmlns="" id="{4B08635B-3679-4F1A-AA33-9DF26B5A77A1}"/>
+                <a16:creationId xmlns="" xmlns:a16="http://schemas.microsoft.com/office/drawing/2014/main" id="{4B08635B-3679-4F1A-AA33-9DF26B5A77A1}"/>
               </a:ext>
             </a:extLst>
           </p:cNvPr>
@@ -2615,7 +2615,7 @@
           <p:cNvPr id="7" name="Foliennummernplatzhalter 6">
             <a:extLst>
               <a:ext uri="{FF2B5EF4-FFF2-40B4-BE49-F238E27FC236}">
-                <a16:creationId xmlns:a16="http://schemas.microsoft.com/office/drawing/2014/main" xmlns="" id="{71F2DA49-EE81-4241-96F3-71944DDD15AB}"/>
+                <a16:creationId xmlns="" xmlns:a16="http://schemas.microsoft.com/office/drawing/2014/main" id="{71F2DA49-EE81-4241-96F3-71944DDD15AB}"/>
               </a:ext>
             </a:extLst>
           </p:cNvPr>
@@ -2674,7 +2674,7 @@
           <p:cNvPr id="2" name="Titel 1">
             <a:extLst>
               <a:ext uri="{FF2B5EF4-FFF2-40B4-BE49-F238E27FC236}">
-                <a16:creationId xmlns:a16="http://schemas.microsoft.com/office/drawing/2014/main" xmlns="" id="{E342009C-FA2C-4542-A3CE-382704A02955}"/>
+                <a16:creationId xmlns="" xmlns:a16="http://schemas.microsoft.com/office/drawing/2014/main" id="{E342009C-FA2C-4542-A3CE-382704A02955}"/>
               </a:ext>
             </a:extLst>
           </p:cNvPr>
@@ -2712,7 +2712,7 @@
           <p:cNvPr id="3" name="Bildplatzhalter 2">
             <a:extLst>
               <a:ext uri="{FF2B5EF4-FFF2-40B4-BE49-F238E27FC236}">
-                <a16:creationId xmlns:a16="http://schemas.microsoft.com/office/drawing/2014/main" xmlns="" id="{DBED8220-4527-4DEF-A6AF-69E1E70312A2}"/>
+                <a16:creationId xmlns="" xmlns:a16="http://schemas.microsoft.com/office/drawing/2014/main" id="{DBED8220-4527-4DEF-A6AF-69E1E70312A2}"/>
               </a:ext>
             </a:extLst>
           </p:cNvPr>
@@ -2779,7 +2779,7 @@
           <p:cNvPr id="4" name="Textplatzhalter 3">
             <a:extLst>
               <a:ext uri="{FF2B5EF4-FFF2-40B4-BE49-F238E27FC236}">
-                <a16:creationId xmlns:a16="http://schemas.microsoft.com/office/drawing/2014/main" xmlns="" id="{0CBBDDF6-EB89-4DC4-8FEE-F827D3602CB7}"/>
+                <a16:creationId xmlns="" xmlns:a16="http://schemas.microsoft.com/office/drawing/2014/main" id="{0CBBDDF6-EB89-4DC4-8FEE-F827D3602CB7}"/>
               </a:ext>
             </a:extLst>
           </p:cNvPr>
@@ -2850,7 +2850,7 @@
           <p:cNvPr id="5" name="Datumsplatzhalter 4">
             <a:extLst>
               <a:ext uri="{FF2B5EF4-FFF2-40B4-BE49-F238E27FC236}">
-                <a16:creationId xmlns:a16="http://schemas.microsoft.com/office/drawing/2014/main" xmlns="" id="{1227B9F1-208A-4B66-8360-0E7C2466F8DA}"/>
+                <a16:creationId xmlns="" xmlns:a16="http://schemas.microsoft.com/office/drawing/2014/main" id="{1227B9F1-208A-4B66-8360-0E7C2466F8DA}"/>
               </a:ext>
             </a:extLst>
           </p:cNvPr>
@@ -2879,7 +2879,7 @@
           <p:cNvPr id="6" name="Fußzeilenplatzhalter 5">
             <a:extLst>
               <a:ext uri="{FF2B5EF4-FFF2-40B4-BE49-F238E27FC236}">
-                <a16:creationId xmlns:a16="http://schemas.microsoft.com/office/drawing/2014/main" xmlns="" id="{0D80FD1E-EDD1-4DEA-BBEC-00CAE0D77AD6}"/>
+                <a16:creationId xmlns="" xmlns:a16="http://schemas.microsoft.com/office/drawing/2014/main" id="{0D80FD1E-EDD1-4DEA-BBEC-00CAE0D77AD6}"/>
               </a:ext>
             </a:extLst>
           </p:cNvPr>
@@ -2904,7 +2904,7 @@
           <p:cNvPr id="7" name="Foliennummernplatzhalter 6">
             <a:extLst>
               <a:ext uri="{FF2B5EF4-FFF2-40B4-BE49-F238E27FC236}">
-                <a16:creationId xmlns:a16="http://schemas.microsoft.com/office/drawing/2014/main" xmlns="" id="{D845902E-3CD2-4062-A387-F7A84EF342D5}"/>
+                <a16:creationId xmlns="" xmlns:a16="http://schemas.microsoft.com/office/drawing/2014/main" id="{D845902E-3CD2-4062-A387-F7A84EF342D5}"/>
               </a:ext>
             </a:extLst>
           </p:cNvPr>
@@ -2968,7 +2968,7 @@
           <p:cNvPr id="2" name="Titelplatzhalter 1">
             <a:extLst>
               <a:ext uri="{FF2B5EF4-FFF2-40B4-BE49-F238E27FC236}">
-                <a16:creationId xmlns:a16="http://schemas.microsoft.com/office/drawing/2014/main" xmlns="" id="{11625A3A-B35E-47DE-A1E9-D39FFCFDB738}"/>
+                <a16:creationId xmlns="" xmlns:a16="http://schemas.microsoft.com/office/drawing/2014/main" id="{11625A3A-B35E-47DE-A1E9-D39FFCFDB738}"/>
               </a:ext>
             </a:extLst>
           </p:cNvPr>
@@ -3007,7 +3007,7 @@
           <p:cNvPr id="3" name="Textplatzhalter 2">
             <a:extLst>
               <a:ext uri="{FF2B5EF4-FFF2-40B4-BE49-F238E27FC236}">
-                <a16:creationId xmlns:a16="http://schemas.microsoft.com/office/drawing/2014/main" xmlns="" id="{101D9785-2F17-43A1-9D93-0DC3BA36329F}"/>
+                <a16:creationId xmlns="" xmlns:a16="http://schemas.microsoft.com/office/drawing/2014/main" id="{101D9785-2F17-43A1-9D93-0DC3BA36329F}"/>
               </a:ext>
             </a:extLst>
           </p:cNvPr>
@@ -3075,7 +3075,7 @@
           <p:cNvPr id="4" name="Datumsplatzhalter 3">
             <a:extLst>
               <a:ext uri="{FF2B5EF4-FFF2-40B4-BE49-F238E27FC236}">
-                <a16:creationId xmlns:a16="http://schemas.microsoft.com/office/drawing/2014/main" xmlns="" id="{B15FE9C7-2236-4305-AE36-84863C74E8F7}"/>
+                <a16:creationId xmlns="" xmlns:a16="http://schemas.microsoft.com/office/drawing/2014/main" id="{B15FE9C7-2236-4305-AE36-84863C74E8F7}"/>
               </a:ext>
             </a:extLst>
           </p:cNvPr>
@@ -3122,7 +3122,7 @@
           <p:cNvPr id="5" name="Fußzeilenplatzhalter 4">
             <a:extLst>
               <a:ext uri="{FF2B5EF4-FFF2-40B4-BE49-F238E27FC236}">
-                <a16:creationId xmlns:a16="http://schemas.microsoft.com/office/drawing/2014/main" xmlns="" id="{2661C7E5-36B5-4545-BBC6-CBD2BE307933}"/>
+                <a16:creationId xmlns="" xmlns:a16="http://schemas.microsoft.com/office/drawing/2014/main" id="{2661C7E5-36B5-4545-BBC6-CBD2BE307933}"/>
               </a:ext>
             </a:extLst>
           </p:cNvPr>
@@ -3165,7 +3165,7 @@
           <p:cNvPr id="6" name="Foliennummernplatzhalter 5">
             <a:extLst>
               <a:ext uri="{FF2B5EF4-FFF2-40B4-BE49-F238E27FC236}">
-                <a16:creationId xmlns:a16="http://schemas.microsoft.com/office/drawing/2014/main" xmlns="" id="{13CEE9F2-2957-4026-887F-2665E2889CFC}"/>
+                <a16:creationId xmlns="" xmlns:a16="http://schemas.microsoft.com/office/drawing/2014/main" id="{13CEE9F2-2957-4026-887F-2665E2889CFC}"/>
               </a:ext>
             </a:extLst>
           </p:cNvPr>
@@ -3533,7 +3533,7 @@
           <p:cNvPr id="4" name="Titel 3">
             <a:extLst>
               <a:ext uri="{FF2B5EF4-FFF2-40B4-BE49-F238E27FC236}">
-                <a16:creationId xmlns:a16="http://schemas.microsoft.com/office/drawing/2014/main" xmlns="" id="{CC71FD41-4ECC-4094-881F-34B855A7A9F1}"/>
+                <a16:creationId xmlns="" xmlns:a16="http://schemas.microsoft.com/office/drawing/2014/main" id="{CC71FD41-4ECC-4094-881F-34B855A7A9F1}"/>
               </a:ext>
             </a:extLst>
           </p:cNvPr>
@@ -3570,7 +3570,7 @@
           <p:cNvPr id="5" name="Inhaltsplatzhalter 4">
             <a:extLst>
               <a:ext uri="{FF2B5EF4-FFF2-40B4-BE49-F238E27FC236}">
-                <a16:creationId xmlns:a16="http://schemas.microsoft.com/office/drawing/2014/main" xmlns="" id="{B00ADB5A-928C-4C38-9464-37412AC9E8B1}"/>
+                <a16:creationId xmlns="" xmlns:a16="http://schemas.microsoft.com/office/drawing/2014/main" id="{B00ADB5A-928C-4C38-9464-37412AC9E8B1}"/>
               </a:ext>
             </a:extLst>
           </p:cNvPr>
@@ -3696,7 +3696,7 @@
           <p:cNvPr id="2" name="Titel 1">
             <a:extLst>
               <a:ext uri="{FF2B5EF4-FFF2-40B4-BE49-F238E27FC236}">
-                <a16:creationId xmlns:a16="http://schemas.microsoft.com/office/drawing/2014/main" xmlns="" id="{96C12794-0583-4EEA-8098-0EB4A6A36484}"/>
+                <a16:creationId xmlns="" xmlns:a16="http://schemas.microsoft.com/office/drawing/2014/main" id="{96C12794-0583-4EEA-8098-0EB4A6A36484}"/>
               </a:ext>
             </a:extLst>
           </p:cNvPr>
@@ -3724,7 +3724,7 @@
           <p:cNvPr id="3" name="Inhaltsplatzhalter 2">
             <a:extLst>
               <a:ext uri="{FF2B5EF4-FFF2-40B4-BE49-F238E27FC236}">
-                <a16:creationId xmlns:a16="http://schemas.microsoft.com/office/drawing/2014/main" xmlns="" id="{3F6EF1AB-CDB5-4029-9435-3BF16844C7D7}"/>
+                <a16:creationId xmlns="" xmlns:a16="http://schemas.microsoft.com/office/drawing/2014/main" id="{3F6EF1AB-CDB5-4029-9435-3BF16844C7D7}"/>
               </a:ext>
             </a:extLst>
           </p:cNvPr>
@@ -3769,7 +3769,7 @@
           <p:cNvPr id="4" name="Grafik 3">
             <a:extLst>
               <a:ext uri="{FF2B5EF4-FFF2-40B4-BE49-F238E27FC236}">
-                <a16:creationId xmlns:a16="http://schemas.microsoft.com/office/drawing/2014/main" xmlns="" id="{7197B235-B046-40B6-A81D-19DAC5D65767}"/>
+                <a16:creationId xmlns="" xmlns:a16="http://schemas.microsoft.com/office/drawing/2014/main" id="{7197B235-B046-40B6-A81D-19DAC5D65767}"/>
               </a:ext>
             </a:extLst>
           </p:cNvPr>
@@ -3799,7 +3799,7 @@
           <p:cNvPr id="5" name="Grafik 4">
             <a:extLst>
               <a:ext uri="{FF2B5EF4-FFF2-40B4-BE49-F238E27FC236}">
-                <a16:creationId xmlns:a16="http://schemas.microsoft.com/office/drawing/2014/main" xmlns="" id="{AE62854D-ECFE-4AC1-B117-662DC105DF76}"/>
+                <a16:creationId xmlns="" xmlns:a16="http://schemas.microsoft.com/office/drawing/2014/main" id="{AE62854D-ECFE-4AC1-B117-662DC105DF76}"/>
               </a:ext>
             </a:extLst>
           </p:cNvPr>
@@ -3859,7 +3859,7 @@
           <p:cNvPr id="2" name="Titel 1">
             <a:extLst>
               <a:ext uri="{FF2B5EF4-FFF2-40B4-BE49-F238E27FC236}">
-                <a16:creationId xmlns:a16="http://schemas.microsoft.com/office/drawing/2014/main" xmlns="" id="{01D99E7F-71BE-4CED-B680-BBA287DE1367}"/>
+                <a16:creationId xmlns="" xmlns:a16="http://schemas.microsoft.com/office/drawing/2014/main" id="{01D99E7F-71BE-4CED-B680-BBA287DE1367}"/>
               </a:ext>
             </a:extLst>
           </p:cNvPr>
@@ -3887,7 +3887,7 @@
           <p:cNvPr id="3" name="Inhaltsplatzhalter 2">
             <a:extLst>
               <a:ext uri="{FF2B5EF4-FFF2-40B4-BE49-F238E27FC236}">
-                <a16:creationId xmlns:a16="http://schemas.microsoft.com/office/drawing/2014/main" xmlns="" id="{587BE36D-70E5-44D1-8069-322840B594FF}"/>
+                <a16:creationId xmlns="" xmlns:a16="http://schemas.microsoft.com/office/drawing/2014/main" id="{587BE36D-70E5-44D1-8069-322840B594FF}"/>
               </a:ext>
             </a:extLst>
           </p:cNvPr>
@@ -3982,7 +3982,7 @@
           <p:cNvPr id="2" name="Titel 1">
             <a:extLst>
               <a:ext uri="{FF2B5EF4-FFF2-40B4-BE49-F238E27FC236}">
-                <a16:creationId xmlns:a16="http://schemas.microsoft.com/office/drawing/2014/main" xmlns="" id="{354A79DF-B347-4010-83A9-1AC287B09AEB}"/>
+                <a16:creationId xmlns="" xmlns:a16="http://schemas.microsoft.com/office/drawing/2014/main" id="{354A79DF-B347-4010-83A9-1AC287B09AEB}"/>
               </a:ext>
             </a:extLst>
           </p:cNvPr>
@@ -4010,7 +4010,7 @@
           <p:cNvPr id="3" name="Inhaltsplatzhalter 2">
             <a:extLst>
               <a:ext uri="{FF2B5EF4-FFF2-40B4-BE49-F238E27FC236}">
-                <a16:creationId xmlns:a16="http://schemas.microsoft.com/office/drawing/2014/main" xmlns="" id="{1A89DE8A-4662-426B-8F74-6855E4BC7ED9}"/>
+                <a16:creationId xmlns="" xmlns:a16="http://schemas.microsoft.com/office/drawing/2014/main" id="{1A89DE8A-4662-426B-8F74-6855E4BC7ED9}"/>
               </a:ext>
             </a:extLst>
           </p:cNvPr>
@@ -4066,19 +4066,15 @@
           <a:p>
             <a:r>
               <a:rPr lang="de-CH" dirty="0" smtClean="0"/>
-              <a:t>Verwenden für</a:t>
-            </a:r>
-            <a:r>
-              <a:rPr lang="de-CH" dirty="0" smtClean="0"/>
-              <a:t> </a:t>
-            </a:r>
-            <a:r>
-              <a:rPr lang="de-CH" dirty="0" err="1" smtClean="0"/>
-              <a:t>multithreading</a:t>
-            </a:r>
-            <a:r>
-              <a:rPr lang="de-CH" dirty="0" smtClean="0"/>
-              <a:t> Applikationen</a:t>
+              <a:t>Verwenden </a:t>
+            </a:r>
+            <a:r>
+              <a:rPr lang="de-CH" smtClean="0"/>
+              <a:t>für </a:t>
+            </a:r>
+            <a:r>
+              <a:rPr lang="de-CH" smtClean="0"/>
+              <a:t>Multithread-Applikationen</a:t>
             </a:r>
             <a:endParaRPr lang="de-CH" dirty="0"/>
           </a:p>
@@ -4119,7 +4115,7 @@
           <p:cNvPr id="2" name="Titel 1">
             <a:extLst>
               <a:ext uri="{FF2B5EF4-FFF2-40B4-BE49-F238E27FC236}">
-                <a16:creationId xmlns:a16="http://schemas.microsoft.com/office/drawing/2014/main" xmlns="" id="{1A59D4A1-C2BE-448D-8104-E989C630F970}"/>
+                <a16:creationId xmlns="" xmlns:a16="http://schemas.microsoft.com/office/drawing/2014/main" id="{1A59D4A1-C2BE-448D-8104-E989C630F970}"/>
               </a:ext>
             </a:extLst>
           </p:cNvPr>
@@ -4147,7 +4143,7 @@
           <p:cNvPr id="3" name="Inhaltsplatzhalter 2">
             <a:extLst>
               <a:ext uri="{FF2B5EF4-FFF2-40B4-BE49-F238E27FC236}">
-                <a16:creationId xmlns:a16="http://schemas.microsoft.com/office/drawing/2014/main" xmlns="" id="{79BF8B57-EC17-4F8E-8333-1512024B4462}"/>
+                <a16:creationId xmlns="" xmlns:a16="http://schemas.microsoft.com/office/drawing/2014/main" id="{79BF8B57-EC17-4F8E-8333-1512024B4462}"/>
               </a:ext>
             </a:extLst>
           </p:cNvPr>

--- a/Go_2018.pptx
+++ b/Go_2018.pptx
@@ -3742,7 +3742,19 @@
           <a:p>
             <a:r>
               <a:rPr lang="de-CH" dirty="0"/>
-              <a:t>Verhalten beim Lesen und Schreiben von geteilten Speicher</a:t>
+              <a:t>Verhalten beim Lesen und Schreiben </a:t>
+            </a:r>
+            <a:r>
+              <a:rPr lang="de-CH"/>
+              <a:t>von </a:t>
+            </a:r>
+            <a:r>
+              <a:rPr lang="de-CH" smtClean="0"/>
+              <a:t>geteiltem </a:t>
+            </a:r>
+            <a:r>
+              <a:rPr lang="de-CH" dirty="0"/>
+              <a:t>Speicher</a:t>
             </a:r>
           </a:p>
           <a:p>
@@ -4070,11 +4082,7 @@
             </a:r>
             <a:r>
               <a:rPr lang="de-CH" smtClean="0"/>
-              <a:t>für </a:t>
-            </a:r>
-            <a:r>
-              <a:rPr lang="de-CH" smtClean="0"/>
-              <a:t>Multithread-Applikationen</a:t>
+              <a:t>für Multithread-Applikationen</a:t>
             </a:r>
             <a:endParaRPr lang="de-CH" dirty="0"/>
           </a:p>
